--- a/documentation/Predicting_Diabetes_SVM_Poster.pptx
+++ b/documentation/Predicting_Diabetes_SVM_Poster.pptx
@@ -243,7 +243,7 @@
           <a:p>
             <a:fld id="{1AF03B20-66F4-4CED-8A6E-4EAD2F929362}" type="datetimeFigureOut">
               <a:rPr lang="en-US" smtClean="0"/>
-              <a:t>4/29/2025</a:t>
+              <a:t>5/9/2025</a:t>
             </a:fld>
             <a:endParaRPr lang="en-US"/>
           </a:p>
@@ -413,7 +413,7 @@
           <a:p>
             <a:fld id="{1AF03B20-66F4-4CED-8A6E-4EAD2F929362}" type="datetimeFigureOut">
               <a:rPr lang="en-US" smtClean="0"/>
-              <a:t>4/29/2025</a:t>
+              <a:t>5/9/2025</a:t>
             </a:fld>
             <a:endParaRPr lang="en-US"/>
           </a:p>
@@ -593,7 +593,7 @@
           <a:p>
             <a:fld id="{1AF03B20-66F4-4CED-8A6E-4EAD2F929362}" type="datetimeFigureOut">
               <a:rPr lang="en-US" smtClean="0"/>
-              <a:t>4/29/2025</a:t>
+              <a:t>5/9/2025</a:t>
             </a:fld>
             <a:endParaRPr lang="en-US"/>
           </a:p>
@@ -763,7 +763,7 @@
           <a:p>
             <a:fld id="{1AF03B20-66F4-4CED-8A6E-4EAD2F929362}" type="datetimeFigureOut">
               <a:rPr lang="en-US" smtClean="0"/>
-              <a:t>4/29/2025</a:t>
+              <a:t>5/9/2025</a:t>
             </a:fld>
             <a:endParaRPr lang="en-US"/>
           </a:p>
@@ -1009,7 +1009,7 @@
           <a:p>
             <a:fld id="{1AF03B20-66F4-4CED-8A6E-4EAD2F929362}" type="datetimeFigureOut">
               <a:rPr lang="en-US" smtClean="0"/>
-              <a:t>4/29/2025</a:t>
+              <a:t>5/9/2025</a:t>
             </a:fld>
             <a:endParaRPr lang="en-US"/>
           </a:p>
@@ -1241,7 +1241,7 @@
           <a:p>
             <a:fld id="{1AF03B20-66F4-4CED-8A6E-4EAD2F929362}" type="datetimeFigureOut">
               <a:rPr lang="en-US" smtClean="0"/>
-              <a:t>4/29/2025</a:t>
+              <a:t>5/9/2025</a:t>
             </a:fld>
             <a:endParaRPr lang="en-US"/>
           </a:p>
@@ -1608,7 +1608,7 @@
           <a:p>
             <a:fld id="{1AF03B20-66F4-4CED-8A6E-4EAD2F929362}" type="datetimeFigureOut">
               <a:rPr lang="en-US" smtClean="0"/>
-              <a:t>4/29/2025</a:t>
+              <a:t>5/9/2025</a:t>
             </a:fld>
             <a:endParaRPr lang="en-US"/>
           </a:p>
@@ -1726,7 +1726,7 @@
           <a:p>
             <a:fld id="{1AF03B20-66F4-4CED-8A6E-4EAD2F929362}" type="datetimeFigureOut">
               <a:rPr lang="en-US" smtClean="0"/>
-              <a:t>4/29/2025</a:t>
+              <a:t>5/9/2025</a:t>
             </a:fld>
             <a:endParaRPr lang="en-US"/>
           </a:p>
@@ -1821,7 +1821,7 @@
           <a:p>
             <a:fld id="{1AF03B20-66F4-4CED-8A6E-4EAD2F929362}" type="datetimeFigureOut">
               <a:rPr lang="en-US" smtClean="0"/>
-              <a:t>4/29/2025</a:t>
+              <a:t>5/9/2025</a:t>
             </a:fld>
             <a:endParaRPr lang="en-US"/>
           </a:p>
@@ -2098,7 +2098,7 @@
           <a:p>
             <a:fld id="{1AF03B20-66F4-4CED-8A6E-4EAD2F929362}" type="datetimeFigureOut">
               <a:rPr lang="en-US" smtClean="0"/>
-              <a:t>4/29/2025</a:t>
+              <a:t>5/9/2025</a:t>
             </a:fld>
             <a:endParaRPr lang="en-US"/>
           </a:p>
@@ -2355,7 +2355,7 @@
           <a:p>
             <a:fld id="{1AF03B20-66F4-4CED-8A6E-4EAD2F929362}" type="datetimeFigureOut">
               <a:rPr lang="en-US" smtClean="0"/>
-              <a:t>4/29/2025</a:t>
+              <a:t>5/9/2025</a:t>
             </a:fld>
             <a:endParaRPr lang="en-US"/>
           </a:p>
@@ -2568,7 +2568,7 @@
           <a:p>
             <a:fld id="{1AF03B20-66F4-4CED-8A6E-4EAD2F929362}" type="datetimeFigureOut">
               <a:rPr lang="en-US" smtClean="0"/>
-              <a:t>4/29/2025</a:t>
+              <a:t>5/9/2025</a:t>
             </a:fld>
             <a:endParaRPr lang="en-US"/>
           </a:p>
@@ -2988,7 +2988,7 @@
         <p:spPr>
           <a:xfrm>
             <a:off x="600997" y="412991"/>
-            <a:ext cx="11834843" cy="5388142"/>
+            <a:ext cx="11834843" cy="5812873"/>
           </a:xfrm>
           <a:prstGeom prst="rect">
             <a:avLst/>
@@ -3051,7 +3051,7 @@
                 <a:ea typeface="Times New Roman" panose="02020603050405020304" pitchFamily="18" charset="0"/>
                 <a:cs typeface="Times New Roman" panose="02020603050405020304" pitchFamily="18" charset="0"/>
               </a:rPr>
-              <a:t>The data in this study comes from the IPUMS Health Surveys National Health Interview Survey conducted in 2022 [1]. The original data set contained information from over 35,000 sample adults and children representing their households. The survey includes information about several health-related behaviors, past disease diagnosis status, and basic demographic information. Given the nature of the sample and that properly weighting the samples given household and other demographics is beyond the scope of this study, no insights from this study can be reliably extrapolated beyond the population of sample individuals. Furthermore, this study only explores information about male sample adults. </a:t>
+              <a:t>Accurately classifying diabetic status can mean the difference between </a:t>
             </a:r>
             <a:r>
               <a:rPr lang="en-US" sz="2400" kern="100" dirty="0">
@@ -3059,6 +3059,23 @@
                 <a:ea typeface="Times New Roman" panose="02020603050405020304" pitchFamily="18" charset="0"/>
                 <a:cs typeface="Times New Roman" panose="02020603050405020304" pitchFamily="18" charset="0"/>
               </a:rPr>
+              <a:t>receiving the correct targeted intervention or not. Since medical visits and tests can present a barrier, there is reason to seek other readily available information that can help categorize risk. </a:t>
+            </a:r>
+            <a:r>
+              <a:rPr lang="en-US" sz="2400" kern="100" dirty="0">
+                <a:effectLst/>
+                <a:latin typeface="Aptos" panose="020B0004020202020204" pitchFamily="34" charset="0"/>
+                <a:ea typeface="Times New Roman" panose="02020603050405020304" pitchFamily="18" charset="0"/>
+                <a:cs typeface="Times New Roman" panose="02020603050405020304" pitchFamily="18" charset="0"/>
+              </a:rPr>
+              <a:t>The data in this study comes from the IPUMS Health Surveys National Health Interview Survey conducted in 2022 [1]. The original data set contained information from over 35,000 adults and children sampled from their households. The survey includes information about several health-related behaviors, past disease diagnosis status, and basic demographic information. </a:t>
+            </a:r>
+            <a:r>
+              <a:rPr lang="en-US" sz="2400" kern="100" dirty="0">
+                <a:latin typeface="Aptos" panose="020B0004020202020204" pitchFamily="34" charset="0"/>
+                <a:ea typeface="Times New Roman" panose="02020603050405020304" pitchFamily="18" charset="0"/>
+                <a:cs typeface="Times New Roman" panose="02020603050405020304" pitchFamily="18" charset="0"/>
+              </a:rPr>
               <a:t>The data used in this study was obtained through Dr. </a:t>
             </a:r>
             <a:r>
@@ -3075,7 +3092,7 @@
                 <a:ea typeface="Times New Roman" panose="02020603050405020304" pitchFamily="18" charset="0"/>
                 <a:cs typeface="Times New Roman" panose="02020603050405020304" pitchFamily="18" charset="0"/>
               </a:rPr>
-              <a:t> of Seattle University [2]</a:t>
+              <a:t> of Seattle University [2]. The central question explored is this: can age, BMI, weekly work hours, and consumption of things like alcohol, soda, and French fries be used to build a support vector machine to predict a past or present diabetes diagnosis?</a:t>
             </a:r>
             <a:endParaRPr lang="en-US" sz="2400" kern="100" dirty="0">
               <a:effectLst/>
@@ -3117,7 +3134,7 @@
         </p:blipFill>
         <p:spPr>
           <a:xfrm>
-            <a:off x="600997" y="6886060"/>
+            <a:off x="531485" y="10956354"/>
             <a:ext cx="8611802" cy="10231278"/>
           </a:xfrm>
           <a:prstGeom prst="rect">
@@ -3188,7 +3205,7 @@
         </p:blipFill>
         <p:spPr>
           <a:xfrm>
-            <a:off x="62692" y="16006426"/>
+            <a:off x="62692" y="20677823"/>
             <a:ext cx="10854403" cy="10025914"/>
           </a:xfrm>
           <a:prstGeom prst="rect">
@@ -3196,12 +3213,659 @@
           </a:prstGeom>
         </p:spPr>
       </p:pic>
+      <p:sp>
+        <p:nvSpPr>
+          <p:cNvPr id="15" name="TextBox 14">
+            <a:extLst>
+              <a:ext uri="{FF2B5EF4-FFF2-40B4-BE49-F238E27FC236}">
+                <a16:creationId xmlns:a16="http://schemas.microsoft.com/office/drawing/2014/main" id="{F0F2CC9A-BDEA-5005-B2BC-33C538759945}"/>
+              </a:ext>
+            </a:extLst>
+          </p:cNvPr>
+          <p:cNvSpPr txBox="1"/>
+          <p:nvPr/>
+        </p:nvSpPr>
+        <p:spPr>
+          <a:xfrm>
+            <a:off x="10917095" y="18463161"/>
+            <a:ext cx="11587305" cy="14879971"/>
+          </a:xfrm>
+          <a:prstGeom prst="rect">
+            <a:avLst/>
+          </a:prstGeom>
+          <a:noFill/>
+        </p:spPr>
+        <p:txBody>
+          <a:bodyPr wrap="square" rtlCol="0">
+            <a:spAutoFit/>
+          </a:bodyPr>
+          <a:lstStyle/>
+          <a:p>
+            <a:pPr marL="0" marR="0">
+              <a:lnSpc>
+                <a:spcPct val="115000"/>
+              </a:lnSpc>
+              <a:spcAft>
+                <a:spcPts val="800"/>
+              </a:spcAft>
+              <a:buNone/>
+            </a:pPr>
+            <a:r>
+              <a:rPr lang="en-US" sz="3200" b="1" kern="100" dirty="0">
+                <a:effectLst/>
+                <a:latin typeface="Aptos" panose="020B0004020202020204" pitchFamily="34" charset="0"/>
+                <a:ea typeface="Times New Roman" panose="02020603050405020304" pitchFamily="18" charset="0"/>
+                <a:cs typeface="Times New Roman" panose="02020603050405020304" pitchFamily="18" charset="0"/>
+              </a:rPr>
+              <a:t>Methods:</a:t>
+            </a:r>
+            <a:endParaRPr lang="en-US" sz="3200" kern="100" dirty="0">
+              <a:effectLst/>
+              <a:latin typeface="Aptos" panose="020B0004020202020204" pitchFamily="34" charset="0"/>
+              <a:ea typeface="Aptos" panose="020B0004020202020204" pitchFamily="34" charset="0"/>
+              <a:cs typeface="Times New Roman" panose="02020603050405020304" pitchFamily="18" charset="0"/>
+            </a:endParaRPr>
+          </a:p>
+          <a:p>
+            <a:pPr marL="0" marR="0">
+              <a:lnSpc>
+                <a:spcPct val="115000"/>
+              </a:lnSpc>
+              <a:spcAft>
+                <a:spcPts val="800"/>
+              </a:spcAft>
+              <a:buNone/>
+            </a:pPr>
+            <a:r>
+              <a:rPr lang="en-US" sz="2400" b="1" kern="100" dirty="0">
+                <a:effectLst/>
+                <a:latin typeface="Aptos" panose="020B0004020202020204" pitchFamily="34" charset="0"/>
+                <a:ea typeface="Times New Roman" panose="02020603050405020304" pitchFamily="18" charset="0"/>
+                <a:cs typeface="Times New Roman" panose="02020603050405020304" pitchFamily="18" charset="0"/>
+              </a:rPr>
+              <a:t>Sample Subset:</a:t>
+            </a:r>
+            <a:r>
+              <a:rPr lang="en-US" sz="2400" kern="100" dirty="0">
+                <a:effectLst/>
+                <a:latin typeface="Aptos" panose="020B0004020202020204" pitchFamily="34" charset="0"/>
+                <a:ea typeface="Times New Roman" panose="02020603050405020304" pitchFamily="18" charset="0"/>
+                <a:cs typeface="Times New Roman" panose="02020603050405020304" pitchFamily="18" charset="0"/>
+              </a:rPr>
+              <a:t> Male sample adults (10151 cleaned records)</a:t>
+            </a:r>
+            <a:endParaRPr lang="en-US" sz="2400" kern="100" dirty="0">
+              <a:effectLst/>
+              <a:latin typeface="Aptos" panose="020B0004020202020204" pitchFamily="34" charset="0"/>
+              <a:ea typeface="Aptos" panose="020B0004020202020204" pitchFamily="34" charset="0"/>
+              <a:cs typeface="Times New Roman" panose="02020603050405020304" pitchFamily="18" charset="0"/>
+            </a:endParaRPr>
+          </a:p>
+          <a:p>
+            <a:pPr marL="0" marR="0">
+              <a:lnSpc>
+                <a:spcPct val="115000"/>
+              </a:lnSpc>
+              <a:spcAft>
+                <a:spcPts val="800"/>
+              </a:spcAft>
+              <a:buNone/>
+            </a:pPr>
+            <a:r>
+              <a:rPr lang="en-US" sz="2400" b="1" kern="100" dirty="0">
+                <a:effectLst/>
+                <a:latin typeface="Aptos" panose="020B0004020202020204" pitchFamily="34" charset="0"/>
+                <a:ea typeface="Times New Roman" panose="02020603050405020304" pitchFamily="18" charset="0"/>
+                <a:cs typeface="Times New Roman" panose="02020603050405020304" pitchFamily="18" charset="0"/>
+              </a:rPr>
+              <a:t>Response:</a:t>
+            </a:r>
+            <a:r>
+              <a:rPr lang="en-US" sz="2400" kern="100" dirty="0">
+                <a:effectLst/>
+                <a:latin typeface="Aptos" panose="020B0004020202020204" pitchFamily="34" charset="0"/>
+                <a:ea typeface="Times New Roman" panose="02020603050405020304" pitchFamily="18" charset="0"/>
+                <a:cs typeface="Times New Roman" panose="02020603050405020304" pitchFamily="18" charset="0"/>
+              </a:rPr>
+              <a:t> Has the participant ever been diagnosed with diabetes? (DIABETICEV)</a:t>
+            </a:r>
+            <a:endParaRPr lang="en-US" sz="2400" kern="100" dirty="0">
+              <a:effectLst/>
+              <a:latin typeface="Aptos" panose="020B0004020202020204" pitchFamily="34" charset="0"/>
+              <a:ea typeface="Aptos" panose="020B0004020202020204" pitchFamily="34" charset="0"/>
+              <a:cs typeface="Times New Roman" panose="02020603050405020304" pitchFamily="18" charset="0"/>
+            </a:endParaRPr>
+          </a:p>
+          <a:p>
+            <a:pPr marL="0" marR="0">
+              <a:lnSpc>
+                <a:spcPct val="115000"/>
+              </a:lnSpc>
+              <a:spcAft>
+                <a:spcPts val="800"/>
+              </a:spcAft>
+              <a:buNone/>
+            </a:pPr>
+            <a:r>
+              <a:rPr lang="en-US" sz="2400" kern="100" dirty="0">
+                <a:effectLst/>
+                <a:latin typeface="Aptos" panose="020B0004020202020204" pitchFamily="34" charset="0"/>
+                <a:ea typeface="Times New Roman" panose="02020603050405020304" pitchFamily="18" charset="0"/>
+                <a:cs typeface="Times New Roman" panose="02020603050405020304" pitchFamily="18" charset="0"/>
+              </a:rPr>
+              <a:t>		1: No, 2: Yes (other values removed)</a:t>
+            </a:r>
+            <a:endParaRPr lang="en-US" sz="2400" kern="100" dirty="0">
+              <a:effectLst/>
+              <a:latin typeface="Aptos" panose="020B0004020202020204" pitchFamily="34" charset="0"/>
+              <a:ea typeface="Aptos" panose="020B0004020202020204" pitchFamily="34" charset="0"/>
+              <a:cs typeface="Times New Roman" panose="02020603050405020304" pitchFamily="18" charset="0"/>
+            </a:endParaRPr>
+          </a:p>
+          <a:p>
+            <a:pPr marL="0" marR="0">
+              <a:lnSpc>
+                <a:spcPct val="115000"/>
+              </a:lnSpc>
+              <a:spcAft>
+                <a:spcPts val="800"/>
+              </a:spcAft>
+              <a:buNone/>
+            </a:pPr>
+            <a:r>
+              <a:rPr lang="en-US" sz="2400" b="1" kern="100" dirty="0">
+                <a:effectLst/>
+                <a:latin typeface="Aptos" panose="020B0004020202020204" pitchFamily="34" charset="0"/>
+                <a:ea typeface="Times New Roman" panose="02020603050405020304" pitchFamily="18" charset="0"/>
+                <a:cs typeface="Times New Roman" panose="02020603050405020304" pitchFamily="18" charset="0"/>
+              </a:rPr>
+              <a:t>Features: </a:t>
+            </a:r>
+            <a:r>
+              <a:rPr lang="en-US" sz="2400" kern="100" dirty="0">
+                <a:effectLst/>
+                <a:latin typeface="Aptos" panose="020B0004020202020204" pitchFamily="34" charset="0"/>
+                <a:ea typeface="Times New Roman" panose="02020603050405020304" pitchFamily="18" charset="0"/>
+                <a:cs typeface="Times New Roman" panose="02020603050405020304" pitchFamily="18" charset="0"/>
+              </a:rPr>
+              <a:t>(Codes not valid as numeric data removed)</a:t>
+            </a:r>
+            <a:endParaRPr lang="en-US" sz="2400" kern="100" dirty="0">
+              <a:effectLst/>
+              <a:latin typeface="Aptos" panose="020B0004020202020204" pitchFamily="34" charset="0"/>
+              <a:ea typeface="Aptos" panose="020B0004020202020204" pitchFamily="34" charset="0"/>
+              <a:cs typeface="Times New Roman" panose="02020603050405020304" pitchFamily="18" charset="0"/>
+            </a:endParaRPr>
+          </a:p>
+          <a:p>
+            <a:pPr marL="800100" lvl="1" indent="-342900">
+              <a:lnSpc>
+                <a:spcPct val="115000"/>
+              </a:lnSpc>
+              <a:spcAft>
+                <a:spcPts val="800"/>
+              </a:spcAft>
+              <a:buFont typeface="Arial" panose="020B0604020202020204" pitchFamily="34" charset="0"/>
+              <a:buChar char="•"/>
+            </a:pPr>
+            <a:r>
+              <a:rPr lang="en-US" sz="2400" kern="100" dirty="0">
+                <a:effectLst/>
+                <a:latin typeface="Aptos" panose="020B0004020202020204" pitchFamily="34" charset="0"/>
+                <a:ea typeface="Times New Roman" panose="02020603050405020304" pitchFamily="18" charset="0"/>
+                <a:cs typeface="Times New Roman" panose="02020603050405020304" pitchFamily="18" charset="0"/>
+              </a:rPr>
+              <a:t>		Participant age in years (AGE)</a:t>
+            </a:r>
+            <a:endParaRPr lang="en-US" sz="2400" kern="100" dirty="0">
+              <a:effectLst/>
+              <a:latin typeface="Aptos" panose="020B0004020202020204" pitchFamily="34" charset="0"/>
+              <a:ea typeface="Aptos" panose="020B0004020202020204" pitchFamily="34" charset="0"/>
+              <a:cs typeface="Times New Roman" panose="02020603050405020304" pitchFamily="18" charset="0"/>
+            </a:endParaRPr>
+          </a:p>
+          <a:p>
+            <a:pPr marL="800100" lvl="1" indent="-342900">
+              <a:lnSpc>
+                <a:spcPct val="115000"/>
+              </a:lnSpc>
+              <a:spcAft>
+                <a:spcPts val="800"/>
+              </a:spcAft>
+              <a:buFont typeface="Arial" panose="020B0604020202020204" pitchFamily="34" charset="0"/>
+              <a:buChar char="•"/>
+            </a:pPr>
+            <a:r>
+              <a:rPr lang="en-US" sz="2400" kern="100" dirty="0">
+                <a:effectLst/>
+                <a:latin typeface="Aptos" panose="020B0004020202020204" pitchFamily="34" charset="0"/>
+                <a:ea typeface="Times New Roman" panose="02020603050405020304" pitchFamily="18" charset="0"/>
+                <a:cs typeface="Times New Roman" panose="02020603050405020304" pitchFamily="18" charset="0"/>
+              </a:rPr>
+              <a:t>		Participant BMI calculated value (BMICALC)</a:t>
+            </a:r>
+            <a:endParaRPr lang="en-US" sz="2400" kern="100" dirty="0">
+              <a:effectLst/>
+              <a:latin typeface="Aptos" panose="020B0004020202020204" pitchFamily="34" charset="0"/>
+              <a:ea typeface="Aptos" panose="020B0004020202020204" pitchFamily="34" charset="0"/>
+              <a:cs typeface="Times New Roman" panose="02020603050405020304" pitchFamily="18" charset="0"/>
+            </a:endParaRPr>
+          </a:p>
+          <a:p>
+            <a:pPr marL="800100" lvl="1" indent="-342900">
+              <a:lnSpc>
+                <a:spcPct val="115000"/>
+              </a:lnSpc>
+              <a:spcAft>
+                <a:spcPts val="800"/>
+              </a:spcAft>
+              <a:buFont typeface="Arial" panose="020B0604020202020204" pitchFamily="34" charset="0"/>
+              <a:buChar char="•"/>
+            </a:pPr>
+            <a:r>
+              <a:rPr lang="en-US" sz="2400" kern="100" dirty="0">
+                <a:effectLst/>
+                <a:latin typeface="Aptos" panose="020B0004020202020204" pitchFamily="34" charset="0"/>
+                <a:ea typeface="Times New Roman" panose="02020603050405020304" pitchFamily="18" charset="0"/>
+                <a:cs typeface="Times New Roman" panose="02020603050405020304" pitchFamily="18" charset="0"/>
+              </a:rPr>
+              <a:t>		Calculated yearly days of alcohol consumption last year (ALCDAYSYR)</a:t>
+            </a:r>
+            <a:endParaRPr lang="en-US" sz="2400" kern="100" dirty="0">
+              <a:effectLst/>
+              <a:latin typeface="Aptos" panose="020B0004020202020204" pitchFamily="34" charset="0"/>
+              <a:ea typeface="Aptos" panose="020B0004020202020204" pitchFamily="34" charset="0"/>
+              <a:cs typeface="Times New Roman" panose="02020603050405020304" pitchFamily="18" charset="0"/>
+            </a:endParaRPr>
+          </a:p>
+          <a:p>
+            <a:pPr marL="800100" lvl="1" indent="-342900">
+              <a:lnSpc>
+                <a:spcPct val="115000"/>
+              </a:lnSpc>
+              <a:spcAft>
+                <a:spcPts val="800"/>
+              </a:spcAft>
+              <a:buFont typeface="Arial" panose="020B0604020202020204" pitchFamily="34" charset="0"/>
+              <a:buChar char="•"/>
+            </a:pPr>
+            <a:r>
+              <a:rPr lang="en-US" sz="2400" kern="100" dirty="0">
+                <a:effectLst/>
+                <a:latin typeface="Aptos" panose="020B0004020202020204" pitchFamily="34" charset="0"/>
+                <a:ea typeface="Times New Roman" panose="02020603050405020304" pitchFamily="18" charset="0"/>
+                <a:cs typeface="Times New Roman" panose="02020603050405020304" pitchFamily="18" charset="0"/>
+              </a:rPr>
+              <a:t>		Hours worked last week (HOURSWRK)</a:t>
+            </a:r>
+            <a:endParaRPr lang="en-US" sz="2400" kern="100" dirty="0">
+              <a:effectLst/>
+              <a:latin typeface="Aptos" panose="020B0004020202020204" pitchFamily="34" charset="0"/>
+              <a:ea typeface="Aptos" panose="020B0004020202020204" pitchFamily="34" charset="0"/>
+              <a:cs typeface="Times New Roman" panose="02020603050405020304" pitchFamily="18" charset="0"/>
+            </a:endParaRPr>
+          </a:p>
+          <a:p>
+            <a:pPr marL="800100" lvl="1" indent="-342900">
+              <a:lnSpc>
+                <a:spcPct val="115000"/>
+              </a:lnSpc>
+              <a:spcAft>
+                <a:spcPts val="800"/>
+              </a:spcAft>
+              <a:buFont typeface="Arial" panose="020B0604020202020204" pitchFamily="34" charset="0"/>
+              <a:buChar char="•"/>
+            </a:pPr>
+            <a:r>
+              <a:rPr lang="en-US" sz="2400" kern="100" dirty="0">
+                <a:effectLst/>
+                <a:latin typeface="Aptos" panose="020B0004020202020204" pitchFamily="34" charset="0"/>
+                <a:ea typeface="Times New Roman" panose="02020603050405020304" pitchFamily="18" charset="0"/>
+                <a:cs typeface="Times New Roman" panose="02020603050405020304" pitchFamily="18" charset="0"/>
+              </a:rPr>
+              <a:t>		Number of sodas consumed over a time period (SODAPNO)</a:t>
+            </a:r>
+            <a:endParaRPr lang="en-US" sz="2400" kern="100" dirty="0">
+              <a:effectLst/>
+              <a:latin typeface="Aptos" panose="020B0004020202020204" pitchFamily="34" charset="0"/>
+              <a:ea typeface="Aptos" panose="020B0004020202020204" pitchFamily="34" charset="0"/>
+              <a:cs typeface="Times New Roman" panose="02020603050405020304" pitchFamily="18" charset="0"/>
+            </a:endParaRPr>
+          </a:p>
+          <a:p>
+            <a:pPr marL="800100" lvl="1" indent="-342900">
+              <a:lnSpc>
+                <a:spcPct val="115000"/>
+              </a:lnSpc>
+              <a:spcAft>
+                <a:spcPts val="800"/>
+              </a:spcAft>
+              <a:buFont typeface="Arial" panose="020B0604020202020204" pitchFamily="34" charset="0"/>
+              <a:buChar char="•"/>
+            </a:pPr>
+            <a:r>
+              <a:rPr lang="en-US" sz="2400" kern="100" dirty="0">
+                <a:effectLst/>
+                <a:latin typeface="Aptos" panose="020B0004020202020204" pitchFamily="34" charset="0"/>
+                <a:ea typeface="Times New Roman" panose="02020603050405020304" pitchFamily="18" charset="0"/>
+                <a:cs typeface="Times New Roman" panose="02020603050405020304" pitchFamily="18" charset="0"/>
+              </a:rPr>
+              <a:t>		Number of fries consumed over a time period (FRIESPNO)</a:t>
+            </a:r>
+            <a:endParaRPr lang="en-US" sz="2400" kern="100" dirty="0">
+              <a:latin typeface="Aptos" panose="020B0004020202020204" pitchFamily="34" charset="0"/>
+              <a:ea typeface="Times New Roman" panose="02020603050405020304" pitchFamily="18" charset="0"/>
+              <a:cs typeface="Times New Roman" panose="02020603050405020304" pitchFamily="18" charset="0"/>
+            </a:endParaRPr>
+          </a:p>
+          <a:p>
+            <a:pPr marR="0">
+              <a:lnSpc>
+                <a:spcPct val="115000"/>
+              </a:lnSpc>
+              <a:spcAft>
+                <a:spcPts val="800"/>
+              </a:spcAft>
+            </a:pPr>
+            <a:r>
+              <a:rPr lang="en-US" sz="2400" b="1" kern="100" dirty="0">
+                <a:effectLst/>
+                <a:latin typeface="Aptos" panose="020B0004020202020204" pitchFamily="34" charset="0"/>
+                <a:ea typeface="Times New Roman" panose="02020603050405020304" pitchFamily="18" charset="0"/>
+                <a:cs typeface="Times New Roman" panose="02020603050405020304" pitchFamily="18" charset="0"/>
+              </a:rPr>
+              <a:t>Model Types:</a:t>
+            </a:r>
+            <a:r>
+              <a:rPr lang="en-US" sz="2400" kern="100" dirty="0">
+                <a:effectLst/>
+                <a:latin typeface="Aptos" panose="020B0004020202020204" pitchFamily="34" charset="0"/>
+                <a:ea typeface="Times New Roman" panose="02020603050405020304" pitchFamily="18" charset="0"/>
+                <a:cs typeface="Times New Roman" panose="02020603050405020304" pitchFamily="18" charset="0"/>
+              </a:rPr>
+              <a:t> </a:t>
+            </a:r>
+          </a:p>
+          <a:p>
+            <a:pPr marR="0">
+              <a:lnSpc>
+                <a:spcPct val="115000"/>
+              </a:lnSpc>
+              <a:spcAft>
+                <a:spcPts val="800"/>
+              </a:spcAft>
+            </a:pPr>
+            <a:r>
+              <a:rPr lang="en-US" sz="2400" kern="100" dirty="0">
+                <a:latin typeface="Aptos" panose="020B0004020202020204" pitchFamily="34" charset="0"/>
+                <a:ea typeface="Times New Roman" panose="02020603050405020304" pitchFamily="18" charset="0"/>
+                <a:cs typeface="Times New Roman" panose="02020603050405020304" pitchFamily="18" charset="0"/>
+              </a:rPr>
+              <a:t>	</a:t>
+            </a:r>
+            <a:r>
+              <a:rPr lang="en-US" sz="2400" kern="100" dirty="0">
+                <a:effectLst/>
+                <a:latin typeface="Aptos" panose="020B0004020202020204" pitchFamily="34" charset="0"/>
+                <a:ea typeface="Times New Roman" panose="02020603050405020304" pitchFamily="18" charset="0"/>
+                <a:cs typeface="Times New Roman" panose="02020603050405020304" pitchFamily="18" charset="0"/>
+              </a:rPr>
+              <a:t>All six above features were used in the models. Models were tuned and compared using a linear, polynomial, and radial kernel. </a:t>
+            </a:r>
+          </a:p>
+          <a:p>
+            <a:pPr marR="0">
+              <a:lnSpc>
+                <a:spcPct val="115000"/>
+              </a:lnSpc>
+              <a:spcAft>
+                <a:spcPts val="800"/>
+              </a:spcAft>
+            </a:pPr>
+            <a:r>
+              <a:rPr lang="en-US" sz="2400" b="1" kern="100" dirty="0">
+                <a:effectLst/>
+                <a:latin typeface="Aptos" panose="020B0004020202020204" pitchFamily="34" charset="0"/>
+                <a:ea typeface="Times New Roman" panose="02020603050405020304" pitchFamily="18" charset="0"/>
+                <a:cs typeface="Times New Roman" panose="02020603050405020304" pitchFamily="18" charset="0"/>
+              </a:rPr>
+              <a:t>Tuning and Training: </a:t>
+            </a:r>
+          </a:p>
+          <a:p>
+            <a:pPr>
+              <a:lnSpc>
+                <a:spcPct val="115000"/>
+              </a:lnSpc>
+              <a:spcAft>
+                <a:spcPts val="800"/>
+              </a:spcAft>
+            </a:pPr>
+            <a:r>
+              <a:rPr lang="en-US" sz="2400" kern="100" dirty="0">
+                <a:effectLst/>
+                <a:latin typeface="Aptos" panose="020B0004020202020204" pitchFamily="34" charset="0"/>
+                <a:ea typeface="Times New Roman" panose="02020603050405020304" pitchFamily="18" charset="0"/>
+                <a:cs typeface="Times New Roman" panose="02020603050405020304" pitchFamily="18" charset="0"/>
+              </a:rPr>
+              <a:t>	All numerical data was scaled by normalization for training. </a:t>
+            </a:r>
+            <a:r>
+              <a:rPr lang="en-US" sz="2400" kern="100" dirty="0">
+                <a:latin typeface="Aptos" panose="020B0004020202020204" pitchFamily="34" charset="0"/>
+                <a:ea typeface="Times New Roman" panose="02020603050405020304" pitchFamily="18" charset="0"/>
+                <a:cs typeface="Times New Roman" panose="02020603050405020304" pitchFamily="18" charset="0"/>
+              </a:rPr>
+              <a:t>Inverse cost weighting was applied during tuning and training in an effort to address response class imbalance. </a:t>
+            </a:r>
+            <a:r>
+              <a:rPr lang="en-US" sz="2400" kern="100" dirty="0">
+                <a:effectLst/>
+                <a:latin typeface="Aptos" panose="020B0004020202020204" pitchFamily="34" charset="0"/>
+                <a:ea typeface="Times New Roman" panose="02020603050405020304" pitchFamily="18" charset="0"/>
+                <a:cs typeface="Times New Roman" panose="02020603050405020304" pitchFamily="18" charset="0"/>
+              </a:rPr>
+              <a:t>Parameters were tuned using five-fold cross validation with a balanced</a:t>
+            </a:r>
+            <a:r>
+              <a:rPr lang="en-US" sz="2400" kern="100" dirty="0">
+                <a:latin typeface="Aptos" panose="020B0004020202020204" pitchFamily="34" charset="0"/>
+                <a:ea typeface="Times New Roman" panose="02020603050405020304" pitchFamily="18" charset="0"/>
+                <a:cs typeface="Times New Roman" panose="02020603050405020304" pitchFamily="18" charset="0"/>
+              </a:rPr>
+              <a:t> </a:t>
+            </a:r>
+            <a:r>
+              <a:rPr lang="en-US" sz="2400" kern="100" dirty="0">
+                <a:effectLst/>
+                <a:latin typeface="Aptos" panose="020B0004020202020204" pitchFamily="34" charset="0"/>
+                <a:ea typeface="Times New Roman" panose="02020603050405020304" pitchFamily="18" charset="0"/>
+                <a:cs typeface="Times New Roman" panose="02020603050405020304" pitchFamily="18" charset="0"/>
+              </a:rPr>
+              <a:t>classification error as the metric. The models with minimum balanced CV error for each</a:t>
+            </a:r>
+            <a:r>
+              <a:rPr lang="en-US" sz="2400" kern="100" dirty="0">
+                <a:latin typeface="Aptos" panose="020B0004020202020204" pitchFamily="34" charset="0"/>
+                <a:ea typeface="Times New Roman" panose="02020603050405020304" pitchFamily="18" charset="0"/>
+                <a:cs typeface="Times New Roman" panose="02020603050405020304" pitchFamily="18" charset="0"/>
+              </a:rPr>
+              <a:t> </a:t>
+            </a:r>
+            <a:r>
+              <a:rPr lang="en-US" sz="2400" kern="100" dirty="0">
+                <a:effectLst/>
+                <a:latin typeface="Aptos" panose="020B0004020202020204" pitchFamily="34" charset="0"/>
+                <a:ea typeface="Times New Roman" panose="02020603050405020304" pitchFamily="18" charset="0"/>
+                <a:cs typeface="Times New Roman" panose="02020603050405020304" pitchFamily="18" charset="0"/>
+              </a:rPr>
+              <a:t>kernel were selected. </a:t>
+            </a:r>
+            <a:r>
+              <a:rPr lang="en-US" sz="2400" kern="100" dirty="0">
+                <a:latin typeface="Aptos" panose="020B0004020202020204" pitchFamily="34" charset="0"/>
+                <a:ea typeface="Times New Roman" panose="02020603050405020304" pitchFamily="18" charset="0"/>
+                <a:cs typeface="Times New Roman" panose="02020603050405020304" pitchFamily="18" charset="0"/>
+              </a:rPr>
+              <a:t>Balanced error</a:t>
+            </a:r>
+            <a:r>
+              <a:rPr lang="en-US" sz="2400" kern="100" dirty="0">
+                <a:effectLst/>
+                <a:latin typeface="Aptos" panose="020B0004020202020204" pitchFamily="34" charset="0"/>
+                <a:ea typeface="Times New Roman" panose="02020603050405020304" pitchFamily="18" charset="0"/>
+                <a:cs typeface="Times New Roman" panose="02020603050405020304" pitchFamily="18" charset="0"/>
+              </a:rPr>
+              <a:t> is calculated as the equally-weighted mean of</a:t>
+            </a:r>
+            <a:r>
+              <a:rPr lang="en-US" sz="2400" kern="100" dirty="0">
+                <a:latin typeface="Aptos" panose="020B0004020202020204" pitchFamily="34" charset="0"/>
+                <a:ea typeface="Times New Roman" panose="02020603050405020304" pitchFamily="18" charset="0"/>
+                <a:cs typeface="Times New Roman" panose="02020603050405020304" pitchFamily="18" charset="0"/>
+              </a:rPr>
+              <a:t> </a:t>
+            </a:r>
+            <a:r>
+              <a:rPr lang="en-US" sz="2400" kern="100" dirty="0">
+                <a:effectLst/>
+                <a:latin typeface="Aptos" panose="020B0004020202020204" pitchFamily="34" charset="0"/>
+                <a:ea typeface="Times New Roman" panose="02020603050405020304" pitchFamily="18" charset="0"/>
+                <a:cs typeface="Times New Roman" panose="02020603050405020304" pitchFamily="18" charset="0"/>
+              </a:rPr>
+              <a:t>classification error for each class. Training was performed on a random training sample comprising 80% of the total sample subset.</a:t>
+            </a:r>
+            <a:endParaRPr lang="en-US" sz="2400" kern="100" dirty="0">
+              <a:effectLst/>
+              <a:latin typeface="Aptos" panose="020B0004020202020204" pitchFamily="34" charset="0"/>
+              <a:ea typeface="Aptos" panose="020B0004020202020204" pitchFamily="34" charset="0"/>
+              <a:cs typeface="Times New Roman" panose="02020603050405020304" pitchFamily="18" charset="0"/>
+            </a:endParaRPr>
+          </a:p>
+          <a:p>
+            <a:pPr marL="0" marR="0">
+              <a:lnSpc>
+                <a:spcPct val="115000"/>
+              </a:lnSpc>
+              <a:spcAft>
+                <a:spcPts val="800"/>
+              </a:spcAft>
+              <a:buNone/>
+            </a:pPr>
+            <a:r>
+              <a:rPr lang="en-US" sz="2400" b="1" kern="100" dirty="0">
+                <a:effectLst/>
+                <a:latin typeface="Aptos" panose="020B0004020202020204" pitchFamily="34" charset="0"/>
+                <a:ea typeface="Times New Roman" panose="02020603050405020304" pitchFamily="18" charset="0"/>
+                <a:cs typeface="Times New Roman" panose="02020603050405020304" pitchFamily="18" charset="0"/>
+              </a:rPr>
+              <a:t>Final Evaluation and Kernel Evaluation:</a:t>
+            </a:r>
+            <a:endParaRPr lang="en-US" sz="2400" kern="100" dirty="0">
+              <a:effectLst/>
+              <a:latin typeface="Aptos" panose="020B0004020202020204" pitchFamily="34" charset="0"/>
+              <a:ea typeface="Aptos" panose="020B0004020202020204" pitchFamily="34" charset="0"/>
+              <a:cs typeface="Times New Roman" panose="02020603050405020304" pitchFamily="18" charset="0"/>
+            </a:endParaRPr>
+          </a:p>
+          <a:p>
+            <a:pPr marL="0" marR="0">
+              <a:lnSpc>
+                <a:spcPct val="115000"/>
+              </a:lnSpc>
+              <a:spcAft>
+                <a:spcPts val="800"/>
+              </a:spcAft>
+              <a:buNone/>
+            </a:pPr>
+            <a:r>
+              <a:rPr lang="en-US" sz="2400" kern="100" dirty="0">
+                <a:latin typeface="Aptos" panose="020B0004020202020204" pitchFamily="34" charset="0"/>
+                <a:ea typeface="Times New Roman" panose="02020603050405020304" pitchFamily="18" charset="0"/>
+                <a:cs typeface="Times New Roman" panose="02020603050405020304" pitchFamily="18" charset="0"/>
+              </a:rPr>
+              <a:t>	</a:t>
+            </a:r>
+            <a:r>
+              <a:rPr lang="en-US" sz="2400" kern="100" dirty="0">
+                <a:effectLst/>
+                <a:latin typeface="Aptos" panose="020B0004020202020204" pitchFamily="34" charset="0"/>
+                <a:ea typeface="Times New Roman" panose="02020603050405020304" pitchFamily="18" charset="0"/>
+                <a:cs typeface="Times New Roman" panose="02020603050405020304" pitchFamily="18" charset="0"/>
+              </a:rPr>
+              <a:t>Tuned models were compared primarily using balanced error on the test set, precision, recall, and F1-score.</a:t>
+            </a:r>
+          </a:p>
+          <a:p>
+            <a:pPr marL="0" marR="0">
+              <a:lnSpc>
+                <a:spcPct val="115000"/>
+              </a:lnSpc>
+              <a:spcAft>
+                <a:spcPts val="800"/>
+              </a:spcAft>
+              <a:buNone/>
+            </a:pPr>
+            <a:r>
+              <a:rPr lang="en-US" sz="2400" b="1" kern="100" dirty="0">
+                <a:effectLst/>
+                <a:latin typeface="Aptos" panose="020B0004020202020204" pitchFamily="34" charset="0"/>
+                <a:ea typeface="Aptos" panose="020B0004020202020204" pitchFamily="34" charset="0"/>
+                <a:cs typeface="Times New Roman" panose="02020603050405020304" pitchFamily="18" charset="0"/>
+              </a:rPr>
+              <a:t>Note on Extrapolation:</a:t>
+            </a:r>
+            <a:endParaRPr lang="en-US" sz="2400" b="1" kern="100" dirty="0">
+              <a:latin typeface="Aptos" panose="020B0004020202020204" pitchFamily="34" charset="0"/>
+              <a:ea typeface="Aptos" panose="020B0004020202020204" pitchFamily="34" charset="0"/>
+              <a:cs typeface="Times New Roman" panose="02020603050405020304" pitchFamily="18" charset="0"/>
+            </a:endParaRPr>
+          </a:p>
+          <a:p>
+            <a:pPr marL="0" marR="0">
+              <a:lnSpc>
+                <a:spcPct val="115000"/>
+              </a:lnSpc>
+              <a:spcAft>
+                <a:spcPts val="800"/>
+              </a:spcAft>
+              <a:buNone/>
+            </a:pPr>
+            <a:r>
+              <a:rPr lang="en-US" sz="2400" b="1" kern="100" dirty="0">
+                <a:effectLst/>
+                <a:latin typeface="Aptos" panose="020B0004020202020204" pitchFamily="34" charset="0"/>
+                <a:ea typeface="Aptos" panose="020B0004020202020204" pitchFamily="34" charset="0"/>
+                <a:cs typeface="Times New Roman" panose="02020603050405020304" pitchFamily="18" charset="0"/>
+              </a:rPr>
+              <a:t>	</a:t>
+            </a:r>
+            <a:r>
+              <a:rPr lang="en-US" sz="2400" kern="100" dirty="0">
+                <a:latin typeface="Aptos" panose="020B0004020202020204" pitchFamily="34" charset="0"/>
+                <a:ea typeface="Aptos" panose="020B0004020202020204" pitchFamily="34" charset="0"/>
+                <a:cs typeface="Times New Roman" panose="02020603050405020304" pitchFamily="18" charset="0"/>
+              </a:rPr>
+              <a:t>Extrapolating from these results would require proper treatment and weighting of the sample as per IPUMS guidelines [1].</a:t>
+            </a:r>
+            <a:endParaRPr lang="en-US" sz="2400" b="1" kern="100" dirty="0">
+              <a:effectLst/>
+              <a:latin typeface="Aptos" panose="020B0004020202020204" pitchFamily="34" charset="0"/>
+              <a:ea typeface="Aptos" panose="020B0004020202020204" pitchFamily="34" charset="0"/>
+              <a:cs typeface="Times New Roman" panose="02020603050405020304" pitchFamily="18" charset="0"/>
+            </a:endParaRPr>
+          </a:p>
+          <a:p>
+            <a:endParaRPr lang="en-US" dirty="0"/>
+          </a:p>
+        </p:txBody>
+      </p:sp>
       <p:pic>
         <p:nvPicPr>
-          <p:cNvPr id="14" name="Picture 13" descr="A white paper with black text&#10;&#10;AI-generated content may be incorrect.">
+          <p:cNvPr id="10" name="Picture 9" descr="A diagram of a graph&#10;&#10;AI-generated content may be incorrect.">
             <a:extLst>
               <a:ext uri="{FF2B5EF4-FFF2-40B4-BE49-F238E27FC236}">
-                <a16:creationId xmlns:a16="http://schemas.microsoft.com/office/drawing/2014/main" id="{A1C0736F-7090-BD66-9A4C-F3C449FE2B20}"/>
+                <a16:creationId xmlns:a16="http://schemas.microsoft.com/office/drawing/2014/main" id="{72E46C99-07E3-107B-D9E2-E468C26DFFD6}"/>
               </a:ext>
             </a:extLst>
           </p:cNvPr>
@@ -3224,671 +3888,7 @@
         </p:blipFill>
         <p:spPr>
           <a:xfrm>
-            <a:off x="222613" y="26678813"/>
-            <a:ext cx="9528491" cy="6239587"/>
-          </a:xfrm>
-          <a:prstGeom prst="rect">
-            <a:avLst/>
-          </a:prstGeom>
-        </p:spPr>
-      </p:pic>
-      <p:sp>
-        <p:nvSpPr>
-          <p:cNvPr id="15" name="TextBox 14">
-            <a:extLst>
-              <a:ext uri="{FF2B5EF4-FFF2-40B4-BE49-F238E27FC236}">
-                <a16:creationId xmlns:a16="http://schemas.microsoft.com/office/drawing/2014/main" id="{F0F2CC9A-BDEA-5005-B2BC-33C538759945}"/>
-              </a:ext>
-            </a:extLst>
-          </p:cNvPr>
-          <p:cNvSpPr txBox="1"/>
-          <p:nvPr/>
-        </p:nvSpPr>
-        <p:spPr>
-          <a:xfrm>
-            <a:off x="11221003" y="18756133"/>
-            <a:ext cx="11587305" cy="13400592"/>
-          </a:xfrm>
-          <a:prstGeom prst="rect">
-            <a:avLst/>
-          </a:prstGeom>
-          <a:noFill/>
-        </p:spPr>
-        <p:txBody>
-          <a:bodyPr wrap="square" rtlCol="0">
-            <a:spAutoFit/>
-          </a:bodyPr>
-          <a:lstStyle/>
-          <a:p>
-            <a:pPr marL="0" marR="0">
-              <a:lnSpc>
-                <a:spcPct val="115000"/>
-              </a:lnSpc>
-              <a:spcAft>
-                <a:spcPts val="800"/>
-              </a:spcAft>
-              <a:buNone/>
-            </a:pPr>
-            <a:r>
-              <a:rPr lang="en-US" sz="3200" b="1" kern="100" dirty="0">
-                <a:effectLst/>
-                <a:latin typeface="Aptos" panose="020B0004020202020204" pitchFamily="34" charset="0"/>
-                <a:ea typeface="Times New Roman" panose="02020603050405020304" pitchFamily="18" charset="0"/>
-                <a:cs typeface="Times New Roman" panose="02020603050405020304" pitchFamily="18" charset="0"/>
-              </a:rPr>
-              <a:t>Methods:</a:t>
-            </a:r>
-            <a:endParaRPr lang="en-US" sz="3200" kern="100" dirty="0">
-              <a:effectLst/>
-              <a:latin typeface="Aptos" panose="020B0004020202020204" pitchFamily="34" charset="0"/>
-              <a:ea typeface="Aptos" panose="020B0004020202020204" pitchFamily="34" charset="0"/>
-              <a:cs typeface="Times New Roman" panose="02020603050405020304" pitchFamily="18" charset="0"/>
-            </a:endParaRPr>
-          </a:p>
-          <a:p>
-            <a:pPr marL="0" marR="0">
-              <a:lnSpc>
-                <a:spcPct val="115000"/>
-              </a:lnSpc>
-              <a:spcAft>
-                <a:spcPts val="800"/>
-              </a:spcAft>
-              <a:buNone/>
-            </a:pPr>
-            <a:r>
-              <a:rPr lang="en-US" sz="2400" b="1" kern="100" dirty="0">
-                <a:effectLst/>
-                <a:latin typeface="Aptos" panose="020B0004020202020204" pitchFamily="34" charset="0"/>
-                <a:ea typeface="Times New Roman" panose="02020603050405020304" pitchFamily="18" charset="0"/>
-                <a:cs typeface="Times New Roman" panose="02020603050405020304" pitchFamily="18" charset="0"/>
-              </a:rPr>
-              <a:t>Sample Subset:</a:t>
-            </a:r>
-            <a:r>
-              <a:rPr lang="en-US" sz="2400" kern="100" dirty="0">
-                <a:effectLst/>
-                <a:latin typeface="Aptos" panose="020B0004020202020204" pitchFamily="34" charset="0"/>
-                <a:ea typeface="Times New Roman" panose="02020603050405020304" pitchFamily="18" charset="0"/>
-                <a:cs typeface="Times New Roman" panose="02020603050405020304" pitchFamily="18" charset="0"/>
-              </a:rPr>
-              <a:t> Male sample adults (10151 cleaned records)</a:t>
-            </a:r>
-            <a:endParaRPr lang="en-US" sz="2400" kern="100" dirty="0">
-              <a:effectLst/>
-              <a:latin typeface="Aptos" panose="020B0004020202020204" pitchFamily="34" charset="0"/>
-              <a:ea typeface="Aptos" panose="020B0004020202020204" pitchFamily="34" charset="0"/>
-              <a:cs typeface="Times New Roman" panose="02020603050405020304" pitchFamily="18" charset="0"/>
-            </a:endParaRPr>
-          </a:p>
-          <a:p>
-            <a:pPr marL="0" marR="0">
-              <a:lnSpc>
-                <a:spcPct val="115000"/>
-              </a:lnSpc>
-              <a:spcAft>
-                <a:spcPts val="800"/>
-              </a:spcAft>
-              <a:buNone/>
-            </a:pPr>
-            <a:r>
-              <a:rPr lang="en-US" sz="2400" b="1" kern="100" dirty="0">
-                <a:effectLst/>
-                <a:latin typeface="Aptos" panose="020B0004020202020204" pitchFamily="34" charset="0"/>
-                <a:ea typeface="Times New Roman" panose="02020603050405020304" pitchFamily="18" charset="0"/>
-                <a:cs typeface="Times New Roman" panose="02020603050405020304" pitchFamily="18" charset="0"/>
-              </a:rPr>
-              <a:t>Response:</a:t>
-            </a:r>
-            <a:r>
-              <a:rPr lang="en-US" sz="2400" kern="100" dirty="0">
-                <a:effectLst/>
-                <a:latin typeface="Aptos" panose="020B0004020202020204" pitchFamily="34" charset="0"/>
-                <a:ea typeface="Times New Roman" panose="02020603050405020304" pitchFamily="18" charset="0"/>
-                <a:cs typeface="Times New Roman" panose="02020603050405020304" pitchFamily="18" charset="0"/>
-              </a:rPr>
-              <a:t> Has the participant ever been diagnosed with diabetes? (DIABETICEV)</a:t>
-            </a:r>
-            <a:endParaRPr lang="en-US" sz="2400" kern="100" dirty="0">
-              <a:effectLst/>
-              <a:latin typeface="Aptos" panose="020B0004020202020204" pitchFamily="34" charset="0"/>
-              <a:ea typeface="Aptos" panose="020B0004020202020204" pitchFamily="34" charset="0"/>
-              <a:cs typeface="Times New Roman" panose="02020603050405020304" pitchFamily="18" charset="0"/>
-            </a:endParaRPr>
-          </a:p>
-          <a:p>
-            <a:pPr marL="0" marR="0">
-              <a:lnSpc>
-                <a:spcPct val="115000"/>
-              </a:lnSpc>
-              <a:spcAft>
-                <a:spcPts val="800"/>
-              </a:spcAft>
-              <a:buNone/>
-            </a:pPr>
-            <a:r>
-              <a:rPr lang="en-US" sz="2400" kern="100" dirty="0">
-                <a:effectLst/>
-                <a:latin typeface="Aptos" panose="020B0004020202020204" pitchFamily="34" charset="0"/>
-                <a:ea typeface="Times New Roman" panose="02020603050405020304" pitchFamily="18" charset="0"/>
-                <a:cs typeface="Times New Roman" panose="02020603050405020304" pitchFamily="18" charset="0"/>
-              </a:rPr>
-              <a:t>		1: No, 2: Yes (other values removed)</a:t>
-            </a:r>
-            <a:endParaRPr lang="en-US" sz="2400" kern="100" dirty="0">
-              <a:effectLst/>
-              <a:latin typeface="Aptos" panose="020B0004020202020204" pitchFamily="34" charset="0"/>
-              <a:ea typeface="Aptos" panose="020B0004020202020204" pitchFamily="34" charset="0"/>
-              <a:cs typeface="Times New Roman" panose="02020603050405020304" pitchFamily="18" charset="0"/>
-            </a:endParaRPr>
-          </a:p>
-          <a:p>
-            <a:pPr marL="0" marR="0">
-              <a:lnSpc>
-                <a:spcPct val="115000"/>
-              </a:lnSpc>
-              <a:spcAft>
-                <a:spcPts val="800"/>
-              </a:spcAft>
-              <a:buNone/>
-            </a:pPr>
-            <a:r>
-              <a:rPr lang="en-US" sz="2400" b="1" kern="100" dirty="0">
-                <a:effectLst/>
-                <a:latin typeface="Aptos" panose="020B0004020202020204" pitchFamily="34" charset="0"/>
-                <a:ea typeface="Times New Roman" panose="02020603050405020304" pitchFamily="18" charset="0"/>
-                <a:cs typeface="Times New Roman" panose="02020603050405020304" pitchFamily="18" charset="0"/>
-              </a:rPr>
-              <a:t>Features: </a:t>
-            </a:r>
-            <a:r>
-              <a:rPr lang="en-US" sz="2400" kern="100" dirty="0">
-                <a:effectLst/>
-                <a:latin typeface="Aptos" panose="020B0004020202020204" pitchFamily="34" charset="0"/>
-                <a:ea typeface="Times New Roman" panose="02020603050405020304" pitchFamily="18" charset="0"/>
-                <a:cs typeface="Times New Roman" panose="02020603050405020304" pitchFamily="18" charset="0"/>
-              </a:rPr>
-              <a:t>(Codes not valid as numeric data removed)</a:t>
-            </a:r>
-            <a:endParaRPr lang="en-US" sz="2400" kern="100" dirty="0">
-              <a:effectLst/>
-              <a:latin typeface="Aptos" panose="020B0004020202020204" pitchFamily="34" charset="0"/>
-              <a:ea typeface="Aptos" panose="020B0004020202020204" pitchFamily="34" charset="0"/>
-              <a:cs typeface="Times New Roman" panose="02020603050405020304" pitchFamily="18" charset="0"/>
-            </a:endParaRPr>
-          </a:p>
-          <a:p>
-            <a:pPr marL="800100" lvl="1" indent="-342900">
-              <a:lnSpc>
-                <a:spcPct val="115000"/>
-              </a:lnSpc>
-              <a:spcAft>
-                <a:spcPts val="800"/>
-              </a:spcAft>
-              <a:buFont typeface="Arial" panose="020B0604020202020204" pitchFamily="34" charset="0"/>
-              <a:buChar char="•"/>
-            </a:pPr>
-            <a:r>
-              <a:rPr lang="en-US" sz="2400" kern="100" dirty="0">
-                <a:effectLst/>
-                <a:latin typeface="Aptos" panose="020B0004020202020204" pitchFamily="34" charset="0"/>
-                <a:ea typeface="Times New Roman" panose="02020603050405020304" pitchFamily="18" charset="0"/>
-                <a:cs typeface="Times New Roman" panose="02020603050405020304" pitchFamily="18" charset="0"/>
-              </a:rPr>
-              <a:t>		Participant age in years (AGE)</a:t>
-            </a:r>
-            <a:endParaRPr lang="en-US" sz="2400" kern="100" dirty="0">
-              <a:effectLst/>
-              <a:latin typeface="Aptos" panose="020B0004020202020204" pitchFamily="34" charset="0"/>
-              <a:ea typeface="Aptos" panose="020B0004020202020204" pitchFamily="34" charset="0"/>
-              <a:cs typeface="Times New Roman" panose="02020603050405020304" pitchFamily="18" charset="0"/>
-            </a:endParaRPr>
-          </a:p>
-          <a:p>
-            <a:pPr marL="800100" lvl="1" indent="-342900">
-              <a:lnSpc>
-                <a:spcPct val="115000"/>
-              </a:lnSpc>
-              <a:spcAft>
-                <a:spcPts val="800"/>
-              </a:spcAft>
-              <a:buFont typeface="Arial" panose="020B0604020202020204" pitchFamily="34" charset="0"/>
-              <a:buChar char="•"/>
-            </a:pPr>
-            <a:r>
-              <a:rPr lang="en-US" sz="2400" kern="100" dirty="0">
-                <a:effectLst/>
-                <a:latin typeface="Aptos" panose="020B0004020202020204" pitchFamily="34" charset="0"/>
-                <a:ea typeface="Times New Roman" panose="02020603050405020304" pitchFamily="18" charset="0"/>
-                <a:cs typeface="Times New Roman" panose="02020603050405020304" pitchFamily="18" charset="0"/>
-              </a:rPr>
-              <a:t>		Participant BMI calculated value (BMICALC)</a:t>
-            </a:r>
-            <a:endParaRPr lang="en-US" sz="2400" kern="100" dirty="0">
-              <a:effectLst/>
-              <a:latin typeface="Aptos" panose="020B0004020202020204" pitchFamily="34" charset="0"/>
-              <a:ea typeface="Aptos" panose="020B0004020202020204" pitchFamily="34" charset="0"/>
-              <a:cs typeface="Times New Roman" panose="02020603050405020304" pitchFamily="18" charset="0"/>
-            </a:endParaRPr>
-          </a:p>
-          <a:p>
-            <a:pPr marL="800100" lvl="1" indent="-342900">
-              <a:lnSpc>
-                <a:spcPct val="115000"/>
-              </a:lnSpc>
-              <a:spcAft>
-                <a:spcPts val="800"/>
-              </a:spcAft>
-              <a:buFont typeface="Arial" panose="020B0604020202020204" pitchFamily="34" charset="0"/>
-              <a:buChar char="•"/>
-            </a:pPr>
-            <a:r>
-              <a:rPr lang="en-US" sz="2400" kern="100" dirty="0">
-                <a:effectLst/>
-                <a:latin typeface="Aptos" panose="020B0004020202020204" pitchFamily="34" charset="0"/>
-                <a:ea typeface="Times New Roman" panose="02020603050405020304" pitchFamily="18" charset="0"/>
-                <a:cs typeface="Times New Roman" panose="02020603050405020304" pitchFamily="18" charset="0"/>
-              </a:rPr>
-              <a:t>		Calculated yearly days of alcohol consumption last year (ALCDAYSYR)</a:t>
-            </a:r>
-            <a:endParaRPr lang="en-US" sz="2400" kern="100" dirty="0">
-              <a:effectLst/>
-              <a:latin typeface="Aptos" panose="020B0004020202020204" pitchFamily="34" charset="0"/>
-              <a:ea typeface="Aptos" panose="020B0004020202020204" pitchFamily="34" charset="0"/>
-              <a:cs typeface="Times New Roman" panose="02020603050405020304" pitchFamily="18" charset="0"/>
-            </a:endParaRPr>
-          </a:p>
-          <a:p>
-            <a:pPr marL="800100" lvl="1" indent="-342900">
-              <a:lnSpc>
-                <a:spcPct val="115000"/>
-              </a:lnSpc>
-              <a:spcAft>
-                <a:spcPts val="800"/>
-              </a:spcAft>
-              <a:buFont typeface="Arial" panose="020B0604020202020204" pitchFamily="34" charset="0"/>
-              <a:buChar char="•"/>
-            </a:pPr>
-            <a:r>
-              <a:rPr lang="en-US" sz="2400" kern="100" dirty="0">
-                <a:effectLst/>
-                <a:latin typeface="Aptos" panose="020B0004020202020204" pitchFamily="34" charset="0"/>
-                <a:ea typeface="Times New Roman" panose="02020603050405020304" pitchFamily="18" charset="0"/>
-                <a:cs typeface="Times New Roman" panose="02020603050405020304" pitchFamily="18" charset="0"/>
-              </a:rPr>
-              <a:t>		Hours worked last week (HOURSWRK)</a:t>
-            </a:r>
-            <a:endParaRPr lang="en-US" sz="2400" kern="100" dirty="0">
-              <a:effectLst/>
-              <a:latin typeface="Aptos" panose="020B0004020202020204" pitchFamily="34" charset="0"/>
-              <a:ea typeface="Aptos" panose="020B0004020202020204" pitchFamily="34" charset="0"/>
-              <a:cs typeface="Times New Roman" panose="02020603050405020304" pitchFamily="18" charset="0"/>
-            </a:endParaRPr>
-          </a:p>
-          <a:p>
-            <a:pPr marL="800100" lvl="1" indent="-342900">
-              <a:lnSpc>
-                <a:spcPct val="115000"/>
-              </a:lnSpc>
-              <a:spcAft>
-                <a:spcPts val="800"/>
-              </a:spcAft>
-              <a:buFont typeface="Arial" panose="020B0604020202020204" pitchFamily="34" charset="0"/>
-              <a:buChar char="•"/>
-            </a:pPr>
-            <a:r>
-              <a:rPr lang="en-US" sz="2400" kern="100" dirty="0">
-                <a:effectLst/>
-                <a:latin typeface="Aptos" panose="020B0004020202020204" pitchFamily="34" charset="0"/>
-                <a:ea typeface="Times New Roman" panose="02020603050405020304" pitchFamily="18" charset="0"/>
-                <a:cs typeface="Times New Roman" panose="02020603050405020304" pitchFamily="18" charset="0"/>
-              </a:rPr>
-              <a:t>		Number of sodas consumed over a time period (SODAPNO)</a:t>
-            </a:r>
-            <a:endParaRPr lang="en-US" sz="2400" kern="100" dirty="0">
-              <a:effectLst/>
-              <a:latin typeface="Aptos" panose="020B0004020202020204" pitchFamily="34" charset="0"/>
-              <a:ea typeface="Aptos" panose="020B0004020202020204" pitchFamily="34" charset="0"/>
-              <a:cs typeface="Times New Roman" panose="02020603050405020304" pitchFamily="18" charset="0"/>
-            </a:endParaRPr>
-          </a:p>
-          <a:p>
-            <a:pPr marL="800100" lvl="1" indent="-342900">
-              <a:lnSpc>
-                <a:spcPct val="115000"/>
-              </a:lnSpc>
-              <a:spcAft>
-                <a:spcPts val="800"/>
-              </a:spcAft>
-              <a:buFont typeface="Arial" panose="020B0604020202020204" pitchFamily="34" charset="0"/>
-              <a:buChar char="•"/>
-            </a:pPr>
-            <a:r>
-              <a:rPr lang="en-US" sz="2400" kern="100" dirty="0">
-                <a:effectLst/>
-                <a:latin typeface="Aptos" panose="020B0004020202020204" pitchFamily="34" charset="0"/>
-                <a:ea typeface="Times New Roman" panose="02020603050405020304" pitchFamily="18" charset="0"/>
-                <a:cs typeface="Times New Roman" panose="02020603050405020304" pitchFamily="18" charset="0"/>
-              </a:rPr>
-              <a:t>		Number of fries consumed over a time period (FRIESPNO)</a:t>
-            </a:r>
-            <a:endParaRPr lang="en-US" sz="2400" kern="100" dirty="0">
-              <a:latin typeface="Aptos" panose="020B0004020202020204" pitchFamily="34" charset="0"/>
-              <a:ea typeface="Times New Roman" panose="02020603050405020304" pitchFamily="18" charset="0"/>
-              <a:cs typeface="Times New Roman" panose="02020603050405020304" pitchFamily="18" charset="0"/>
-            </a:endParaRPr>
-          </a:p>
-          <a:p>
-            <a:pPr marR="0">
-              <a:lnSpc>
-                <a:spcPct val="115000"/>
-              </a:lnSpc>
-              <a:spcAft>
-                <a:spcPts val="800"/>
-              </a:spcAft>
-            </a:pPr>
-            <a:r>
-              <a:rPr lang="en-US" sz="2400" b="1" kern="100" dirty="0">
-                <a:effectLst/>
-                <a:latin typeface="Aptos" panose="020B0004020202020204" pitchFamily="34" charset="0"/>
-                <a:ea typeface="Times New Roman" panose="02020603050405020304" pitchFamily="18" charset="0"/>
-                <a:cs typeface="Times New Roman" panose="02020603050405020304" pitchFamily="18" charset="0"/>
-              </a:rPr>
-              <a:t>Model Types:</a:t>
-            </a:r>
-            <a:r>
-              <a:rPr lang="en-US" sz="2400" kern="100" dirty="0">
-                <a:effectLst/>
-                <a:latin typeface="Aptos" panose="020B0004020202020204" pitchFamily="34" charset="0"/>
-                <a:ea typeface="Times New Roman" panose="02020603050405020304" pitchFamily="18" charset="0"/>
-                <a:cs typeface="Times New Roman" panose="02020603050405020304" pitchFamily="18" charset="0"/>
-              </a:rPr>
-              <a:t> </a:t>
-            </a:r>
-          </a:p>
-          <a:p>
-            <a:pPr marR="0">
-              <a:lnSpc>
-                <a:spcPct val="115000"/>
-              </a:lnSpc>
-              <a:spcAft>
-                <a:spcPts val="800"/>
-              </a:spcAft>
-            </a:pPr>
-            <a:r>
-              <a:rPr lang="en-US" sz="2400" kern="100" dirty="0">
-                <a:latin typeface="Aptos" panose="020B0004020202020204" pitchFamily="34" charset="0"/>
-                <a:ea typeface="Times New Roman" panose="02020603050405020304" pitchFamily="18" charset="0"/>
-                <a:cs typeface="Times New Roman" panose="02020603050405020304" pitchFamily="18" charset="0"/>
-              </a:rPr>
-              <a:t>	</a:t>
-            </a:r>
-            <a:r>
-              <a:rPr lang="en-US" sz="2400" kern="100" dirty="0">
-                <a:effectLst/>
-                <a:latin typeface="Aptos" panose="020B0004020202020204" pitchFamily="34" charset="0"/>
-                <a:ea typeface="Times New Roman" panose="02020603050405020304" pitchFamily="18" charset="0"/>
-                <a:cs typeface="Times New Roman" panose="02020603050405020304" pitchFamily="18" charset="0"/>
-              </a:rPr>
-              <a:t>All six above features were used in the models. Models were tuned and compared using a linear, polynomial, and radial kernel. </a:t>
-            </a:r>
-          </a:p>
-          <a:p>
-            <a:pPr marR="0">
-              <a:lnSpc>
-                <a:spcPct val="115000"/>
-              </a:lnSpc>
-              <a:spcAft>
-                <a:spcPts val="800"/>
-              </a:spcAft>
-            </a:pPr>
-            <a:r>
-              <a:rPr lang="en-US" sz="2400" b="1" kern="100" dirty="0">
-                <a:effectLst/>
-                <a:latin typeface="Aptos" panose="020B0004020202020204" pitchFamily="34" charset="0"/>
-                <a:ea typeface="Times New Roman" panose="02020603050405020304" pitchFamily="18" charset="0"/>
-                <a:cs typeface="Times New Roman" panose="02020603050405020304" pitchFamily="18" charset="0"/>
-              </a:rPr>
-              <a:t>Tuning and Training: </a:t>
-            </a:r>
-          </a:p>
-          <a:p>
-            <a:pPr>
-              <a:lnSpc>
-                <a:spcPct val="115000"/>
-              </a:lnSpc>
-              <a:spcAft>
-                <a:spcPts val="800"/>
-              </a:spcAft>
-            </a:pPr>
-            <a:r>
-              <a:rPr lang="en-US" sz="2400" kern="100" dirty="0">
-                <a:effectLst/>
-                <a:latin typeface="Aptos" panose="020B0004020202020204" pitchFamily="34" charset="0"/>
-                <a:ea typeface="Times New Roman" panose="02020603050405020304" pitchFamily="18" charset="0"/>
-                <a:cs typeface="Times New Roman" panose="02020603050405020304" pitchFamily="18" charset="0"/>
-              </a:rPr>
-              <a:t>	All numerical data was scaled by normalization for training. </a:t>
-            </a:r>
-            <a:r>
-              <a:rPr lang="en-US" sz="2400" kern="100" dirty="0">
-                <a:latin typeface="Aptos" panose="020B0004020202020204" pitchFamily="34" charset="0"/>
-                <a:ea typeface="Times New Roman" panose="02020603050405020304" pitchFamily="18" charset="0"/>
-                <a:cs typeface="Times New Roman" panose="02020603050405020304" pitchFamily="18" charset="0"/>
-              </a:rPr>
-              <a:t>Inverse weighting was applied during tuning and training to help account for response class imbalance.</a:t>
-            </a:r>
-            <a:endParaRPr lang="en-US" sz="2400" kern="100" dirty="0">
-              <a:effectLst/>
-              <a:latin typeface="Aptos" panose="020B0004020202020204" pitchFamily="34" charset="0"/>
-              <a:ea typeface="Aptos" panose="020B0004020202020204" pitchFamily="34" charset="0"/>
-              <a:cs typeface="Times New Roman" panose="02020603050405020304" pitchFamily="18" charset="0"/>
-            </a:endParaRPr>
-          </a:p>
-          <a:p>
-            <a:pPr marL="0" marR="0">
-              <a:lnSpc>
-                <a:spcPct val="115000"/>
-              </a:lnSpc>
-              <a:spcAft>
-                <a:spcPts val="800"/>
-              </a:spcAft>
-              <a:buNone/>
-            </a:pPr>
-            <a:r>
-              <a:rPr lang="en-US" sz="2400" kern="100" dirty="0">
-                <a:effectLst/>
-                <a:latin typeface="Aptos" panose="020B0004020202020204" pitchFamily="34" charset="0"/>
-                <a:ea typeface="Times New Roman" panose="02020603050405020304" pitchFamily="18" charset="0"/>
-                <a:cs typeface="Times New Roman" panose="02020603050405020304" pitchFamily="18" charset="0"/>
-              </a:rPr>
-              <a:t>Parameters were tuned using five-fold cross validation with a balanced</a:t>
-            </a:r>
-            <a:r>
-              <a:rPr lang="en-US" sz="2400" kern="100" dirty="0">
-                <a:latin typeface="Aptos" panose="020B0004020202020204" pitchFamily="34" charset="0"/>
-                <a:ea typeface="Times New Roman" panose="02020603050405020304" pitchFamily="18" charset="0"/>
-                <a:cs typeface="Times New Roman" panose="02020603050405020304" pitchFamily="18" charset="0"/>
-              </a:rPr>
-              <a:t> </a:t>
-            </a:r>
-            <a:r>
-              <a:rPr lang="en-US" sz="2400" kern="100" dirty="0">
-                <a:effectLst/>
-                <a:latin typeface="Aptos" panose="020B0004020202020204" pitchFamily="34" charset="0"/>
-                <a:ea typeface="Times New Roman" panose="02020603050405020304" pitchFamily="18" charset="0"/>
-                <a:cs typeface="Times New Roman" panose="02020603050405020304" pitchFamily="18" charset="0"/>
-              </a:rPr>
-              <a:t>classification error as the metric. The models with minimum balanced CV error for each</a:t>
-            </a:r>
-            <a:r>
-              <a:rPr lang="en-US" sz="2400" kern="100" dirty="0">
-                <a:latin typeface="Aptos" panose="020B0004020202020204" pitchFamily="34" charset="0"/>
-                <a:ea typeface="Times New Roman" panose="02020603050405020304" pitchFamily="18" charset="0"/>
-                <a:cs typeface="Times New Roman" panose="02020603050405020304" pitchFamily="18" charset="0"/>
-              </a:rPr>
-              <a:t> </a:t>
-            </a:r>
-            <a:r>
-              <a:rPr lang="en-US" sz="2400" kern="100" dirty="0">
-                <a:effectLst/>
-                <a:latin typeface="Aptos" panose="020B0004020202020204" pitchFamily="34" charset="0"/>
-                <a:ea typeface="Times New Roman" panose="02020603050405020304" pitchFamily="18" charset="0"/>
-                <a:cs typeface="Times New Roman" panose="02020603050405020304" pitchFamily="18" charset="0"/>
-              </a:rPr>
-              <a:t>kernel were selected. </a:t>
-            </a:r>
-            <a:r>
-              <a:rPr lang="en-US" sz="2400" kern="100" dirty="0">
-                <a:latin typeface="Aptos" panose="020B0004020202020204" pitchFamily="34" charset="0"/>
-                <a:ea typeface="Times New Roman" panose="02020603050405020304" pitchFamily="18" charset="0"/>
-                <a:cs typeface="Times New Roman" panose="02020603050405020304" pitchFamily="18" charset="0"/>
-              </a:rPr>
-              <a:t>Balanced error</a:t>
-            </a:r>
-            <a:r>
-              <a:rPr lang="en-US" sz="2400" kern="100" dirty="0">
-                <a:effectLst/>
-                <a:latin typeface="Aptos" panose="020B0004020202020204" pitchFamily="34" charset="0"/>
-                <a:ea typeface="Times New Roman" panose="02020603050405020304" pitchFamily="18" charset="0"/>
-                <a:cs typeface="Times New Roman" panose="02020603050405020304" pitchFamily="18" charset="0"/>
-              </a:rPr>
-              <a:t> is calculated as the equally-weighted mean of</a:t>
-            </a:r>
-            <a:r>
-              <a:rPr lang="en-US" sz="2400" kern="100" dirty="0">
-                <a:latin typeface="Aptos" panose="020B0004020202020204" pitchFamily="34" charset="0"/>
-                <a:ea typeface="Times New Roman" panose="02020603050405020304" pitchFamily="18" charset="0"/>
-                <a:cs typeface="Times New Roman" panose="02020603050405020304" pitchFamily="18" charset="0"/>
-              </a:rPr>
-              <a:t> </a:t>
-            </a:r>
-            <a:r>
-              <a:rPr lang="en-US" sz="2400" kern="100" dirty="0">
-                <a:effectLst/>
-                <a:latin typeface="Aptos" panose="020B0004020202020204" pitchFamily="34" charset="0"/>
-                <a:ea typeface="Times New Roman" panose="02020603050405020304" pitchFamily="18" charset="0"/>
-                <a:cs typeface="Times New Roman" panose="02020603050405020304" pitchFamily="18" charset="0"/>
-              </a:rPr>
-              <a:t>classification error for each class. Training was performed on a random training sample comprising 80% of the total sample subset.</a:t>
-            </a:r>
-            <a:endParaRPr lang="en-US" sz="2400" kern="100" dirty="0">
-              <a:effectLst/>
-              <a:latin typeface="Aptos" panose="020B0004020202020204" pitchFamily="34" charset="0"/>
-              <a:ea typeface="Aptos" panose="020B0004020202020204" pitchFamily="34" charset="0"/>
-              <a:cs typeface="Times New Roman" panose="02020603050405020304" pitchFamily="18" charset="0"/>
-            </a:endParaRPr>
-          </a:p>
-          <a:p>
-            <a:pPr marL="0" marR="0">
-              <a:lnSpc>
-                <a:spcPct val="115000"/>
-              </a:lnSpc>
-              <a:spcAft>
-                <a:spcPts val="800"/>
-              </a:spcAft>
-              <a:buNone/>
-            </a:pPr>
-            <a:r>
-              <a:rPr lang="en-US" sz="2400" b="1" kern="100" dirty="0">
-                <a:effectLst/>
-                <a:latin typeface="Aptos" panose="020B0004020202020204" pitchFamily="34" charset="0"/>
-                <a:ea typeface="Times New Roman" panose="02020603050405020304" pitchFamily="18" charset="0"/>
-                <a:cs typeface="Times New Roman" panose="02020603050405020304" pitchFamily="18" charset="0"/>
-              </a:rPr>
-              <a:t>Final Evaluation and Kernel Evaluation:</a:t>
-            </a:r>
-            <a:endParaRPr lang="en-US" sz="2400" kern="100" dirty="0">
-              <a:effectLst/>
-              <a:latin typeface="Aptos" panose="020B0004020202020204" pitchFamily="34" charset="0"/>
-              <a:ea typeface="Aptos" panose="020B0004020202020204" pitchFamily="34" charset="0"/>
-              <a:cs typeface="Times New Roman" panose="02020603050405020304" pitchFamily="18" charset="0"/>
-            </a:endParaRPr>
-          </a:p>
-          <a:p>
-            <a:pPr marL="0" marR="0">
-              <a:lnSpc>
-                <a:spcPct val="115000"/>
-              </a:lnSpc>
-              <a:spcAft>
-                <a:spcPts val="800"/>
-              </a:spcAft>
-              <a:buNone/>
-            </a:pPr>
-            <a:r>
-              <a:rPr lang="en-US" sz="2400" kern="100" dirty="0">
-                <a:latin typeface="Aptos" panose="020B0004020202020204" pitchFamily="34" charset="0"/>
-                <a:ea typeface="Times New Roman" panose="02020603050405020304" pitchFamily="18" charset="0"/>
-                <a:cs typeface="Times New Roman" panose="02020603050405020304" pitchFamily="18" charset="0"/>
-              </a:rPr>
-              <a:t>	</a:t>
-            </a:r>
-            <a:r>
-              <a:rPr lang="en-US" sz="2400" kern="100" dirty="0">
-                <a:effectLst/>
-                <a:latin typeface="Aptos" panose="020B0004020202020204" pitchFamily="34" charset="0"/>
-                <a:ea typeface="Times New Roman" panose="02020603050405020304" pitchFamily="18" charset="0"/>
-                <a:cs typeface="Times New Roman" panose="02020603050405020304" pitchFamily="18" charset="0"/>
-              </a:rPr>
-              <a:t>Tuned models were compared primarily using test error with the balanced error metric, and secondarily with training error and training CV error with the</a:t>
-            </a:r>
-            <a:r>
-              <a:rPr lang="en-US" sz="2400" kern="100" dirty="0">
-                <a:latin typeface="Aptos" panose="020B0004020202020204" pitchFamily="34" charset="0"/>
-                <a:ea typeface="Times New Roman" panose="02020603050405020304" pitchFamily="18" charset="0"/>
-                <a:cs typeface="Times New Roman" panose="02020603050405020304" pitchFamily="18" charset="0"/>
-              </a:rPr>
-              <a:t> </a:t>
-            </a:r>
-            <a:r>
-              <a:rPr lang="en-US" sz="2400" kern="100" dirty="0">
-                <a:effectLst/>
-                <a:latin typeface="Aptos" panose="020B0004020202020204" pitchFamily="34" charset="0"/>
-                <a:ea typeface="Times New Roman" panose="02020603050405020304" pitchFamily="18" charset="0"/>
-                <a:cs typeface="Times New Roman" panose="02020603050405020304" pitchFamily="18" charset="0"/>
-              </a:rPr>
-              <a:t>balanced metric.</a:t>
-            </a:r>
-            <a:endParaRPr lang="en-US" sz="2400" kern="100" dirty="0">
-              <a:effectLst/>
-              <a:latin typeface="Aptos" panose="020B0004020202020204" pitchFamily="34" charset="0"/>
-              <a:ea typeface="Aptos" panose="020B0004020202020204" pitchFamily="34" charset="0"/>
-              <a:cs typeface="Times New Roman" panose="02020603050405020304" pitchFamily="18" charset="0"/>
-            </a:endParaRPr>
-          </a:p>
-          <a:p>
-            <a:endParaRPr lang="en-US" dirty="0"/>
-          </a:p>
-        </p:txBody>
-      </p:sp>
-      <p:pic>
-        <p:nvPicPr>
-          <p:cNvPr id="10" name="Picture 9" descr="A diagram of a graph&#10;&#10;AI-generated content may be incorrect.">
-            <a:extLst>
-              <a:ext uri="{FF2B5EF4-FFF2-40B4-BE49-F238E27FC236}">
-                <a16:creationId xmlns:a16="http://schemas.microsoft.com/office/drawing/2014/main" id="{72E46C99-07E3-107B-D9E2-E468C26DFFD6}"/>
-              </a:ext>
-            </a:extLst>
-          </p:cNvPr>
-          <p:cNvPicPr>
-            <a:picLocks noChangeAspect="1"/>
-          </p:cNvPicPr>
-          <p:nvPr/>
-        </p:nvPicPr>
-        <p:blipFill>
-          <a:blip r:embed="rId5">
-            <a:extLst>
-              <a:ext uri="{28A0092B-C50C-407E-A947-70E740481C1C}">
-                <a14:useLocalDpi xmlns:a14="http://schemas.microsoft.com/office/drawing/2010/main" val="0"/>
-              </a:ext>
-            </a:extLst>
-          </a:blip>
-          <a:stretch>
-            <a:fillRect/>
-          </a:stretch>
-        </p:blipFill>
-        <p:spPr>
-          <a:xfrm>
-            <a:off x="9751104" y="7461971"/>
+            <a:off x="9783960" y="7663139"/>
             <a:ext cx="9250712" cy="10412637"/>
           </a:xfrm>
           <a:prstGeom prst="rect">
@@ -3910,8 +3910,8 @@
         </p:nvSpPr>
         <p:spPr>
           <a:xfrm>
-            <a:off x="11967556" y="1031752"/>
-            <a:ext cx="19956087" cy="3108543"/>
+            <a:off x="11766388" y="724168"/>
+            <a:ext cx="22395596" cy="3108543"/>
           </a:xfrm>
           <a:prstGeom prst="rect">
             <a:avLst/>
@@ -3960,8 +3960,8 @@
         </p:nvSpPr>
         <p:spPr>
           <a:xfrm>
-            <a:off x="22923026" y="17117338"/>
-            <a:ext cx="20556369" cy="6670544"/>
+            <a:off x="22384720" y="16452029"/>
+            <a:ext cx="20905483" cy="7039876"/>
           </a:xfrm>
           <a:prstGeom prst="rect">
             <a:avLst/>
@@ -4010,16 +4010,15 @@
                 <a:ea typeface="Times New Roman" panose="02020603050405020304" pitchFamily="18" charset="0"/>
                 <a:cs typeface="Times New Roman" panose="02020603050405020304" pitchFamily="18" charset="0"/>
               </a:rPr>
-              <a:t>	Based on initial plots of the relationship between potential features and the diabetes diagnosis flag variable, several variable stood out in terms of visible trends. The most obvious trend for all disease indicators in the dataset was age. This makes sense, as many of the diseases in the dataset, such as diabetes, cancer, and heart disease, can be the result of many small factors building up over time. Age also makes sense to include because it is a datapoint that is often readily available and may have interactions with other risk factors. Calculated BMI was another basic health metric that appeared to have a relationship visually with diabetes in particular, but not as much with other diseases. This makes sense given that diabetes is closely linked to metabolism, and severe diabetes often comes with difficulty in physical exertion. While higher BMI might not be the cause of diabetes, it may provide predictive power, especially in conjunction with other features. The last demographic variable used here was hours worked in the last week. Initially, my though was that overwork might be associated with greater sickness, but the opposite was true. In hindsight, this makes a lot of sense, and is likely caused by the participant being too sick to work consistently. This variable may have less predictive power that is specific to diabetes than some of the others, given that any serious disease could be the cause of missing work or working less. However, the variable was one of a few that seemed to have a relationship with diabetes. If the feature can give extra confidence that someone has any disease, and other variables can narrow it down to diabetes, it might still be useful to include. The other three features including were all behavioral health metrics for substances that seemed likely to be related to diabetes. Since diabetes is tied to metabolism and for some an inability to process sugars, consumption of three things that can spike sugar intake seemed relevant. The boxplots also showed a weak but potentially real relationship between alcohol consumption, soda consumption, and </a:t>
-            </a:r>
-            <a:r>
-              <a:rPr lang="en-US" sz="2400" dirty="0" err="1">
-                <a:effectLst/>
+              <a:t>	Initial exploration identified several </a:t>
+            </a:r>
+            <a:r>
+              <a:rPr lang="en-US" sz="2400" dirty="0">
                 <a:latin typeface="Aptos" panose="020B0004020202020204" pitchFamily="34" charset="0"/>
                 <a:ea typeface="Times New Roman" panose="02020603050405020304" pitchFamily="18" charset="0"/>
                 <a:cs typeface="Times New Roman" panose="02020603050405020304" pitchFamily="18" charset="0"/>
               </a:rPr>
-              <a:t>french</a:t>
+              <a:t>features which</a:t>
             </a:r>
             <a:r>
               <a:rPr lang="en-US" sz="2400" dirty="0">
@@ -4028,7 +4027,49 @@
                 <a:ea typeface="Times New Roman" panose="02020603050405020304" pitchFamily="18" charset="0"/>
                 <a:cs typeface="Times New Roman" panose="02020603050405020304" pitchFamily="18" charset="0"/>
               </a:rPr>
-              <a:t> fry consumption. Based on my findings, it seems a sensible approach to further explore the link between foods high in simple sugars or alcohol and diabetes. It also seems prudent to invest in prevention and education while people are still fairly young, since the risk increases with age. </a:t>
+              <a:t> stood out in terms of visible trends. The most obvious trend for all disease indicators in the dataset was age. This makes sense, as many of the diseases in the dataset, such as diabetes, cancer, and heart disease, can be the result of cumulative factors. Age also makes sense to include in a model because it is a datapoint that is often readily available and may have interactions with other risk factors. Calculated BMI was another basic health metric that appeared to have a relationship visually with diabetes. This makes sense given that diabetes is closely linked to metabolism, and severe diabetes often comes with difficulty in physical exertion. While higher BMI might not be the cause of diabetes, it may provide predictive power, especially in conjunction with other features. The last demographic variable used here was hours worked in the last week. Initially, it was considered that overwork might be associated with greater sickness, but the opposite was true. In hindsight, this is likely caused by the participant being too sick to work consistently. This variable may have less predictive power that is specific to diabetes than some of the others, given that any serious disease could be the cause of missing work or working less. However, </a:t>
+            </a:r>
+            <a:r>
+              <a:rPr lang="en-US" sz="2400" dirty="0">
+                <a:latin typeface="Aptos" panose="020B0004020202020204" pitchFamily="34" charset="0"/>
+                <a:ea typeface="Times New Roman" panose="02020603050405020304" pitchFamily="18" charset="0"/>
+                <a:cs typeface="Times New Roman" panose="02020603050405020304" pitchFamily="18" charset="0"/>
+              </a:rPr>
+              <a:t>i</a:t>
+            </a:r>
+            <a:r>
+              <a:rPr lang="en-US" sz="2400" dirty="0">
+                <a:effectLst/>
+                <a:latin typeface="Aptos" panose="020B0004020202020204" pitchFamily="34" charset="0"/>
+                <a:ea typeface="Times New Roman" panose="02020603050405020304" pitchFamily="18" charset="0"/>
+                <a:cs typeface="Times New Roman" panose="02020603050405020304" pitchFamily="18" charset="0"/>
+              </a:rPr>
+              <a:t>f the feature can give extra confidence that someone has any disease, and other variables can narrow it down to diabetes, it might still be useful to include. The other three features included were all behavioral health metrics for substances that seem likely to be related to diabetes. Since diabetes is tied to metabolism, consumption of three things that can spike sugar intake seemed relevant. The boxplots also showed a weak but potentially real relationship between alcohol consumption, soda consumption, and </a:t>
+            </a:r>
+            <a:r>
+              <a:rPr lang="en-US" sz="2400" dirty="0">
+                <a:latin typeface="Aptos" panose="020B0004020202020204" pitchFamily="34" charset="0"/>
+                <a:ea typeface="Times New Roman" panose="02020603050405020304" pitchFamily="18" charset="0"/>
+                <a:cs typeface="Times New Roman" panose="02020603050405020304" pitchFamily="18" charset="0"/>
+              </a:rPr>
+              <a:t>F</a:t>
+            </a:r>
+            <a:r>
+              <a:rPr lang="en-US" sz="2400" dirty="0">
+                <a:effectLst/>
+                <a:latin typeface="Aptos" panose="020B0004020202020204" pitchFamily="34" charset="0"/>
+                <a:ea typeface="Times New Roman" panose="02020603050405020304" pitchFamily="18" charset="0"/>
+                <a:cs typeface="Times New Roman" panose="02020603050405020304" pitchFamily="18" charset="0"/>
+              </a:rPr>
+              <a:t>rench fry consumption. While the choice of features was not illogical, the performance obtained by the SVM models in this study are poor. While overall accuracy is high and the balanced error metric is low, precision and recall tell a different story. Recall is likely the most important of these metrics since a missed diagnosis is likely to result in the greatest har</a:t>
+            </a:r>
+            <a:r>
+              <a:rPr lang="en-US" sz="2400" dirty="0">
+                <a:latin typeface="Aptos" panose="020B0004020202020204" pitchFamily="34" charset="0"/>
+                <a:ea typeface="Times New Roman" panose="02020603050405020304" pitchFamily="18" charset="0"/>
+                <a:cs typeface="Times New Roman" panose="02020603050405020304" pitchFamily="18" charset="0"/>
+              </a:rPr>
+              <a:t>m, while a false positive may just result in additional screening. None of the models correctly identify any diabetic individuals. The model with the polynomial kernel makes the sole false positive prediction of the three.  The problem is also apparent from the SVM classification plot above. To address this issue, the imbalance in the response class must be better addressed. More detailed, accurate, and consistent consumption information may also yield better results.</a:t>
             </a:r>
             <a:endParaRPr lang="en-US" sz="2400" dirty="0"/>
           </a:p>
@@ -4128,7 +4169,7 @@
                 <a:latin typeface="Aptos" panose="020B0004020202020204" pitchFamily="34" charset="0"/>
                 <a:ea typeface="Aptos" panose="020B0004020202020204" pitchFamily="34" charset="0"/>
                 <a:cs typeface="Times New Roman" panose="02020603050405020304" pitchFamily="18" charset="0"/>
-                <a:hlinkClick r:id="rId6"/>
+                <a:hlinkClick r:id="rId5"/>
               </a:rPr>
               <a:t>https://doi.org/10.18128/D070.V7.4</a:t>
             </a:r>
@@ -4167,7 +4208,7 @@
                 <a:latin typeface="Aptos" panose="020B0004020202020204" pitchFamily="34" charset="0"/>
                 <a:ea typeface="Aptos" panose="020B0004020202020204" pitchFamily="34" charset="0"/>
                 <a:cs typeface="Times New Roman" panose="02020603050405020304" pitchFamily="18" charset="0"/>
-                <a:hlinkClick r:id="rId7"/>
+                <a:hlinkClick r:id="rId6"/>
               </a:rPr>
               <a:t>https://www.nhis.ipums.org</a:t>
             </a:r>
@@ -4270,7 +4311,7 @@
                 <a:latin typeface="Aptos" panose="020B0004020202020204" pitchFamily="34" charset="0"/>
                 <a:ea typeface="Aptos" panose="020B0004020202020204" pitchFamily="34" charset="0"/>
                 <a:cs typeface="Times New Roman" panose="02020603050405020304" pitchFamily="18" charset="0"/>
-                <a:hlinkClick r:id="rId8"/>
+                <a:hlinkClick r:id="rId7"/>
               </a:rPr>
               <a:t>https://github.com/mendible/5322</a:t>
             </a:r>
@@ -4355,7 +4396,7 @@
                 <a:latin typeface="Aptos" panose="020B0004020202020204" pitchFamily="34" charset="0"/>
                 <a:ea typeface="Aptos" panose="020B0004020202020204" pitchFamily="34" charset="0"/>
                 <a:cs typeface="Times New Roman" panose="02020603050405020304" pitchFamily="18" charset="0"/>
-                <a:hlinkClick r:id="rId9"/>
+                <a:hlinkClick r:id="rId8"/>
               </a:rPr>
               <a:t>https://www.R-project.org</a:t>
             </a:r>
@@ -4492,7 +4533,7 @@
                 <a:latin typeface="Aptos" panose="020B0004020202020204" pitchFamily="34" charset="0"/>
                 <a:ea typeface="Aptos" panose="020B0004020202020204" pitchFamily="34" charset="0"/>
                 <a:cs typeface="Times New Roman" panose="02020603050405020304" pitchFamily="18" charset="0"/>
-                <a:hlinkClick r:id="rId10"/>
+                <a:hlinkClick r:id="rId9"/>
               </a:rPr>
               <a:t>doi:10.21105/joss.01686</a:t>
             </a:r>
@@ -4589,7 +4630,7 @@
                 <a:latin typeface="Aptos" panose="020B0004020202020204" pitchFamily="34" charset="0"/>
                 <a:ea typeface="Aptos" panose="020B0004020202020204" pitchFamily="34" charset="0"/>
                 <a:cs typeface="Times New Roman" panose="02020603050405020304" pitchFamily="18" charset="0"/>
-                <a:hlinkClick r:id="rId11"/>
+                <a:hlinkClick r:id="rId10"/>
               </a:rPr>
               <a:t>https://CRAN.R-project.org/package=e1071</a:t>
             </a:r>
@@ -4694,7 +4735,7 @@
                 <a:latin typeface="Aptos" panose="020B0004020202020204" pitchFamily="34" charset="0"/>
                 <a:ea typeface="Aptos" panose="020B0004020202020204" pitchFamily="34" charset="0"/>
                 <a:cs typeface="Times New Roman" panose="02020603050405020304" pitchFamily="18" charset="0"/>
-                <a:hlinkClick r:id="rId12"/>
+                <a:hlinkClick r:id="rId11"/>
               </a:rPr>
               <a:t>https://www.overleaf.com</a:t>
             </a:r>
@@ -4767,7 +4808,7 @@
         </p:nvSpPr>
         <p:spPr>
           <a:xfrm>
-            <a:off x="19919092" y="5100557"/>
+            <a:off x="20262522" y="4676891"/>
             <a:ext cx="19956087" cy="2616101"/>
           </a:xfrm>
           <a:prstGeom prst="rect">
@@ -4793,7 +4834,7 @@
             </a:r>
             <a:r>
               <a:rPr lang="en-US" sz="3200" dirty="0"/>
-              <a:t>The best model by balanced CV Error used all six features, a cost of 0.1 (C = 10), and a polynomial  						 kernel of degree d=4.</a:t>
+              <a:t>The best model by balanced CV Error used all six features, a cost of 0.05 (C = 20), and a polynomial  						 kernel of degree d=4. However, recall was 0 for all trained models.</a:t>
             </a:r>
           </a:p>
           <a:p>
@@ -4822,14 +4863,14 @@
           <p:nvPr/>
         </p:nvPicPr>
         <p:blipFill>
-          <a:blip r:embed="rId13"/>
+          <a:blip r:embed="rId12"/>
           <a:stretch>
             <a:fillRect/>
           </a:stretch>
         </p:blipFill>
         <p:spPr>
           <a:xfrm>
-            <a:off x="19540121" y="9551789"/>
+            <a:off x="19386165" y="8981351"/>
             <a:ext cx="11006441" cy="6792547"/>
           </a:xfrm>
           <a:prstGeom prst="rect">
@@ -4852,14 +4893,14 @@
           <p:nvPr/>
         </p:nvPicPr>
         <p:blipFill>
-          <a:blip r:embed="rId14"/>
+          <a:blip r:embed="rId13"/>
           <a:stretch>
             <a:fillRect/>
           </a:stretch>
         </p:blipFill>
         <p:spPr>
           <a:xfrm>
-            <a:off x="31397797" y="11670434"/>
+            <a:off x="31555073" y="10956354"/>
             <a:ext cx="10001250" cy="6172200"/>
           </a:xfrm>
           <a:prstGeom prst="rect">
@@ -4882,14 +4923,14 @@
           <p:nvPr>
             <p:extLst>
               <p:ext uri="{D42A27DB-BD31-4B8C-83A1-F6EECF244321}">
-                <p14:modId xmlns:p14="http://schemas.microsoft.com/office/powerpoint/2010/main" val="4031953774"/>
+                <p14:modId xmlns:p14="http://schemas.microsoft.com/office/powerpoint/2010/main" val="1621670258"/>
               </p:ext>
             </p:extLst>
           </p:nvPr>
         </p:nvGraphicFramePr>
         <p:xfrm>
-          <a:off x="30392606" y="8126045"/>
-          <a:ext cx="12388864" cy="3759888"/>
+          <a:off x="30240565" y="7461971"/>
+          <a:ext cx="12864250" cy="3759888"/>
         </p:xfrm>
         <a:graphic>
           <a:graphicData uri="http://schemas.openxmlformats.org/drawingml/2006/table">
@@ -4898,49 +4939,49 @@
                 <a:tableStyleId>{7E9639D4-E3E2-4D34-9284-5A2195B3D0D7}</a:tableStyleId>
               </a:tblPr>
               <a:tblGrid>
-                <a:gridCol w="1333780">
+                <a:gridCol w="1654237">
                   <a:extLst>
                     <a:ext uri="{9D8B030D-6E8A-4147-A177-3AD203B41FA5}">
                       <a16:colId xmlns:a16="http://schemas.microsoft.com/office/drawing/2014/main" val="288092918"/>
                     </a:ext>
                   </a:extLst>
                 </a:gridCol>
-                <a:gridCol w="1436314">
+                <a:gridCol w="1352781">
                   <a:extLst>
                     <a:ext uri="{9D8B030D-6E8A-4147-A177-3AD203B41FA5}">
                       <a16:colId xmlns:a16="http://schemas.microsoft.com/office/drawing/2014/main" val="633070425"/>
                     </a:ext>
                   </a:extLst>
                 </a:gridCol>
-                <a:gridCol w="1828800">
+                <a:gridCol w="1768345">
                   <a:extLst>
                     <a:ext uri="{9D8B030D-6E8A-4147-A177-3AD203B41FA5}">
                       <a16:colId xmlns:a16="http://schemas.microsoft.com/office/drawing/2014/main" val="1615034043"/>
                     </a:ext>
                   </a:extLst>
                 </a:gridCol>
-                <a:gridCol w="1264024">
+                <a:gridCol w="1312527">
                   <a:extLst>
                     <a:ext uri="{9D8B030D-6E8A-4147-A177-3AD203B41FA5}">
                       <a16:colId xmlns:a16="http://schemas.microsoft.com/office/drawing/2014/main" val="3892968155"/>
                     </a:ext>
                   </a:extLst>
                 </a:gridCol>
-                <a:gridCol w="2743200">
+                <a:gridCol w="2149496">
                   <a:extLst>
                     <a:ext uri="{9D8B030D-6E8A-4147-A177-3AD203B41FA5}">
                       <a16:colId xmlns:a16="http://schemas.microsoft.com/office/drawing/2014/main" val="249438655"/>
                     </a:ext>
                   </a:extLst>
                 </a:gridCol>
-                <a:gridCol w="1940232">
+                <a:gridCol w="2468880">
                   <a:extLst>
                     <a:ext uri="{9D8B030D-6E8A-4147-A177-3AD203B41FA5}">
                       <a16:colId xmlns:a16="http://schemas.microsoft.com/office/drawing/2014/main" val="3580605695"/>
                     </a:ext>
                   </a:extLst>
                 </a:gridCol>
-                <a:gridCol w="1842514">
+                <a:gridCol w="2157984">
                   <a:extLst>
                     <a:ext uri="{9D8B030D-6E8A-4147-A177-3AD203B41FA5}">
                       <a16:colId xmlns:a16="http://schemas.microsoft.com/office/drawing/2014/main" val="1373757876"/>
@@ -4965,84 +5006,6 @@
                         <a:t>kernel</a:t>
                       </a:r>
                       <a:endParaRPr lang="en-US" sz="2400" b="1" i="0" u="none" strike="noStrike" dirty="0">
-                        <a:solidFill>
-                          <a:schemeClr val="bg1"/>
-                        </a:solidFill>
-                        <a:effectLst/>
-                        <a:latin typeface="Aptos Narrow" panose="020B0004020202020204" pitchFamily="34" charset="0"/>
-                      </a:endParaRPr>
-                    </a:p>
-                  </a:txBody>
-                  <a:tcPr marL="6350" marR="6350" marT="6350" marB="0" anchor="b"/>
-                </a:tc>
-                <a:tc>
-                  <a:txBody>
-                    <a:bodyPr/>
-                    <a:lstStyle/>
-                    <a:p>
-                      <a:pPr algn="ctr" fontAlgn="b"/>
-                      <a:r>
-                        <a:rPr lang="en-US" sz="2400" b="1" u="none" strike="noStrike" dirty="0">
-                          <a:solidFill>
-                            <a:schemeClr val="bg1"/>
-                          </a:solidFill>
-                          <a:effectLst/>
-                        </a:rPr>
-                        <a:t>cost</a:t>
-                      </a:r>
-                      <a:endParaRPr lang="en-US" sz="2400" b="1" i="0" u="none" strike="noStrike" dirty="0">
-                        <a:solidFill>
-                          <a:schemeClr val="bg1"/>
-                        </a:solidFill>
-                        <a:effectLst/>
-                        <a:latin typeface="Aptos Narrow" panose="020B0004020202020204" pitchFamily="34" charset="0"/>
-                      </a:endParaRPr>
-                    </a:p>
-                  </a:txBody>
-                  <a:tcPr marL="6350" marR="6350" marT="6350" marB="0" anchor="b"/>
-                </a:tc>
-                <a:tc>
-                  <a:txBody>
-                    <a:bodyPr/>
-                    <a:lstStyle/>
-                    <a:p>
-                      <a:pPr algn="ctr" fontAlgn="b"/>
-                      <a:r>
-                        <a:rPr lang="en-US" sz="2400" b="1" u="none" strike="noStrike">
-                          <a:solidFill>
-                            <a:schemeClr val="bg1"/>
-                          </a:solidFill>
-                          <a:effectLst/>
-                        </a:rPr>
-                        <a:t>degree</a:t>
-                      </a:r>
-                      <a:endParaRPr lang="en-US" sz="2400" b="1" i="0" u="none" strike="noStrike">
-                        <a:solidFill>
-                          <a:schemeClr val="bg1"/>
-                        </a:solidFill>
-                        <a:effectLst/>
-                        <a:latin typeface="Aptos Narrow" panose="020B0004020202020204" pitchFamily="34" charset="0"/>
-                      </a:endParaRPr>
-                    </a:p>
-                  </a:txBody>
-                  <a:tcPr marL="6350" marR="6350" marT="6350" marB="0" anchor="b"/>
-                </a:tc>
-                <a:tc>
-                  <a:txBody>
-                    <a:bodyPr/>
-                    <a:lstStyle/>
-                    <a:p>
-                      <a:pPr algn="ctr" fontAlgn="b"/>
-                      <a:r>
-                        <a:rPr lang="en-US" sz="2400" b="1" u="none" strike="noStrike">
-                          <a:solidFill>
-                            <a:schemeClr val="bg1"/>
-                          </a:solidFill>
-                          <a:effectLst/>
-                        </a:rPr>
-                        <a:t>gamma</a:t>
-                      </a:r>
-                      <a:endParaRPr lang="en-US" sz="2400" b="1" i="0" u="none" strike="noStrike">
                         <a:solidFill>
                           <a:schemeClr val="bg1"/>
                         </a:solidFill>
@@ -5150,6 +5113,105 @@
                   </a:txBody>
                   <a:tcPr marL="6350" marR="6350" marT="6350" marB="0" anchor="b"/>
                 </a:tc>
+                <a:tc>
+                  <a:txBody>
+                    <a:bodyPr/>
+                    <a:lstStyle/>
+                    <a:p>
+                      <a:pPr algn="ctr" fontAlgn="b"/>
+                      <a:r>
+                        <a:rPr lang="en-US" sz="2400" b="1" i="0" u="none" strike="noStrike" dirty="0">
+                          <a:solidFill>
+                            <a:schemeClr val="bg1"/>
+                          </a:solidFill>
+                          <a:effectLst/>
+                          <a:latin typeface="+mn-lt"/>
+                        </a:rPr>
+                        <a:t>Test</a:t>
+                      </a:r>
+                    </a:p>
+                    <a:p>
+                      <a:pPr algn="ctr" fontAlgn="b"/>
+                      <a:r>
+                        <a:rPr lang="en-US" sz="2400" b="1" i="0" u="none" strike="noStrike" dirty="0">
+                          <a:solidFill>
+                            <a:schemeClr val="bg1"/>
+                          </a:solidFill>
+                          <a:effectLst/>
+                          <a:latin typeface="+mn-lt"/>
+                        </a:rPr>
+                        <a:t>Precision</a:t>
+                      </a:r>
+                    </a:p>
+                  </a:txBody>
+                  <a:tcPr marL="6350" marR="6350" marT="6350" marB="0" anchor="b"/>
+                </a:tc>
+                <a:tc>
+                  <a:txBody>
+                    <a:bodyPr/>
+                    <a:lstStyle/>
+                    <a:p>
+                      <a:pPr algn="ctr" fontAlgn="b"/>
+                      <a:r>
+                        <a:rPr lang="en-US" sz="2400" b="1" i="0" u="none" strike="noStrike" dirty="0">
+                          <a:solidFill>
+                            <a:schemeClr val="bg1"/>
+                          </a:solidFill>
+                          <a:effectLst/>
+                          <a:latin typeface="+mn-lt"/>
+                        </a:rPr>
+                        <a:t>Test</a:t>
+                      </a:r>
+                    </a:p>
+                    <a:p>
+                      <a:pPr algn="ctr" fontAlgn="b"/>
+                      <a:r>
+                        <a:rPr lang="en-US" sz="2400" b="1" i="0" u="none" strike="noStrike" dirty="0">
+                          <a:solidFill>
+                            <a:schemeClr val="bg1"/>
+                          </a:solidFill>
+                          <a:effectLst/>
+                          <a:latin typeface="+mn-lt"/>
+                        </a:rPr>
+                        <a:t>Recall</a:t>
+                      </a:r>
+                    </a:p>
+                  </a:txBody>
+                  <a:tcPr marL="6350" marR="6350" marT="6350" marB="0" anchor="b"/>
+                </a:tc>
+                <a:tc>
+                  <a:txBody>
+                    <a:bodyPr/>
+                    <a:lstStyle/>
+                    <a:p>
+                      <a:pPr algn="ctr" fontAlgn="b"/>
+                      <a:r>
+                        <a:rPr lang="en-US" sz="2400" b="1" i="0" u="none" strike="noStrike" dirty="0">
+                          <a:solidFill>
+                            <a:schemeClr val="bg1"/>
+                          </a:solidFill>
+                          <a:effectLst/>
+                          <a:latin typeface="+mn-lt"/>
+                        </a:rPr>
+                        <a:t>Test</a:t>
+                      </a:r>
+                    </a:p>
+                    <a:p>
+                      <a:pPr algn="ctr" fontAlgn="b"/>
+                      <a:r>
+                        <a:rPr lang="en-US" sz="2400" b="1" i="0" u="none" strike="noStrike" dirty="0">
+                          <a:solidFill>
+                            <a:schemeClr val="bg1"/>
+                          </a:solidFill>
+                          <a:effectLst/>
+                          <a:latin typeface="+mn-lt"/>
+                        </a:rPr>
+                        <a:t>F1-score</a:t>
+                      </a:r>
+                    </a:p>
+                  </a:txBody>
+                  <a:tcPr marL="6350" marR="6350" marT="6350" marB="0" anchor="b"/>
+                </a:tc>
                 <a:extLst>
                   <a:ext uri="{0D108BD9-81ED-4DB2-BD59-A6C34878D82A}">
                     <a16:rowId xmlns:a16="http://schemas.microsoft.com/office/drawing/2014/main" val="1670362814"/>
@@ -5164,7 +5226,7 @@
                     <a:p>
                       <a:pPr algn="ctr" fontAlgn="b"/>
                       <a:r>
-                        <a:rPr lang="en-US" sz="2400" b="1" u="none" strike="noStrike">
+                        <a:rPr lang="en-US" sz="2400" b="1" u="none" strike="noStrike" dirty="0">
                           <a:solidFill>
                             <a:srgbClr val="000000"/>
                           </a:solidFill>
@@ -5172,33 +5234,7 @@
                         </a:rPr>
                         <a:t>linear</a:t>
                       </a:r>
-                      <a:endParaRPr lang="en-US" sz="2400" b="1" i="0" u="none" strike="noStrike">
-                        <a:solidFill>
-                          <a:srgbClr val="000000"/>
-                        </a:solidFill>
-                        <a:effectLst/>
-                        <a:latin typeface="Aptos Narrow" panose="020B0004020202020204" pitchFamily="34" charset="0"/>
-                      </a:endParaRPr>
-                    </a:p>
-                  </a:txBody>
-                  <a:tcPr marL="6350" marR="6350" marT="6350" marB="0" anchor="b"/>
-                </a:tc>
-                <a:tc>
-                  <a:txBody>
-                    <a:bodyPr/>
-                    <a:lstStyle/>
-                    <a:p>
-                      <a:pPr algn="ctr" fontAlgn="b"/>
-                      <a:r>
-                        <a:rPr lang="en-US" sz="2400" b="1" u="none" strike="noStrike">
-                          <a:solidFill>
-                            <a:srgbClr val="000000"/>
-                          </a:solidFill>
-                          <a:effectLst/>
-                        </a:rPr>
-                        <a:t>0.05</a:t>
-                      </a:r>
-                      <a:endParaRPr lang="en-US" sz="2400" b="1" i="0" u="none" strike="noStrike">
+                      <a:endParaRPr lang="en-US" sz="2400" b="1" i="0" u="none" strike="noStrike" dirty="0">
                         <a:solidFill>
                           <a:srgbClr val="000000"/>
                         </a:solidFill>
@@ -5222,61 +5258,9 @@
                           </a:solidFill>
                           <a:effectLst/>
                         </a:rPr>
-                        <a:t>NA</a:t>
+                        <a:t>0.109961</a:t>
                       </a:r>
                       <a:endParaRPr lang="en-US" sz="2400" b="1" i="0" u="none" strike="noStrike" dirty="0">
-                        <a:solidFill>
-                          <a:srgbClr val="000000"/>
-                        </a:solidFill>
-                        <a:effectLst/>
-                        <a:latin typeface="Aptos Narrow" panose="020B0004020202020204" pitchFamily="34" charset="0"/>
-                      </a:endParaRPr>
-                    </a:p>
-                  </a:txBody>
-                  <a:tcPr marL="6350" marR="6350" marT="6350" marB="0" anchor="b"/>
-                </a:tc>
-                <a:tc>
-                  <a:txBody>
-                    <a:bodyPr/>
-                    <a:lstStyle/>
-                    <a:p>
-                      <a:pPr algn="ctr" fontAlgn="b"/>
-                      <a:r>
-                        <a:rPr lang="en-US" sz="2400" b="1" u="none" strike="noStrike">
-                          <a:solidFill>
-                            <a:srgbClr val="000000"/>
-                          </a:solidFill>
-                          <a:effectLst/>
-                        </a:rPr>
-                        <a:t>NA</a:t>
-                      </a:r>
-                      <a:endParaRPr lang="en-US" sz="2400" b="1" i="0" u="none" strike="noStrike">
-                        <a:solidFill>
-                          <a:srgbClr val="000000"/>
-                        </a:solidFill>
-                        <a:effectLst/>
-                        <a:latin typeface="Aptos Narrow" panose="020B0004020202020204" pitchFamily="34" charset="0"/>
-                      </a:endParaRPr>
-                    </a:p>
-                  </a:txBody>
-                  <a:tcPr marL="6350" marR="6350" marT="6350" marB="0" anchor="b"/>
-                </a:tc>
-                <a:tc>
-                  <a:txBody>
-                    <a:bodyPr/>
-                    <a:lstStyle/>
-                    <a:p>
-                      <a:pPr algn="ctr" fontAlgn="b"/>
-                      <a:r>
-                        <a:rPr lang="en-US" sz="2400" b="1" u="none" strike="noStrike">
-                          <a:solidFill>
-                            <a:srgbClr val="000000"/>
-                          </a:solidFill>
-                          <a:effectLst/>
-                        </a:rPr>
-                        <a:t>0.109961</a:t>
-                      </a:r>
-                      <a:endParaRPr lang="en-US" sz="2400" b="1" i="0" u="none" strike="noStrike">
                         <a:solidFill>
                           <a:srgbClr val="000000"/>
                         </a:solidFill>
@@ -5339,6 +5323,66 @@
                   </a:txBody>
                   <a:tcPr marL="6350" marR="6350" marT="6350" marB="0" anchor="b"/>
                 </a:tc>
+                <a:tc>
+                  <a:txBody>
+                    <a:bodyPr/>
+                    <a:lstStyle/>
+                    <a:p>
+                      <a:pPr algn="ctr" fontAlgn="b"/>
+                      <a:r>
+                        <a:rPr lang="en-US" sz="2400" b="1" i="0" u="none" strike="noStrike" dirty="0">
+                          <a:solidFill>
+                            <a:srgbClr val="000000"/>
+                          </a:solidFill>
+                          <a:effectLst/>
+                          <a:latin typeface="+mn-lt"/>
+                        </a:rPr>
+                        <a:t>NA</a:t>
+                      </a:r>
+                    </a:p>
+                  </a:txBody>
+                  <a:tcPr marL="6350" marR="6350" marT="6350" marB="0" anchor="b"/>
+                </a:tc>
+                <a:tc>
+                  <a:txBody>
+                    <a:bodyPr/>
+                    <a:lstStyle/>
+                    <a:p>
+                      <a:pPr algn="ctr" fontAlgn="b"/>
+                      <a:r>
+                        <a:rPr lang="en-US" sz="2400" b="1" i="0" u="none" strike="noStrike" dirty="0">
+                          <a:solidFill>
+                            <a:srgbClr val="000000"/>
+                          </a:solidFill>
+                          <a:effectLst/>
+                          <a:latin typeface="+mn-lt"/>
+                        </a:rPr>
+                        <a:t>0</a:t>
+                      </a:r>
+                    </a:p>
+                  </a:txBody>
+                  <a:tcPr marL="6350" marR="6350" marT="6350" marB="0" anchor="b"/>
+                </a:tc>
+                <a:tc>
+                  <a:txBody>
+                    <a:bodyPr/>
+                    <a:lstStyle/>
+                    <a:p>
+                      <a:pPr algn="ctr" fontAlgn="b"/>
+                      <a:r>
+                        <a:rPr lang="en-US" sz="2400" b="1" i="0" u="none" strike="noStrike">
+                          <a:solidFill>
+                            <a:srgbClr val="000000"/>
+                          </a:solidFill>
+                          <a:effectLst/>
+                          <a:latin typeface="+mn-lt"/>
+                        </a:rPr>
+                        <a:t>0</a:t>
+                      </a:r>
+                    </a:p>
+                  </a:txBody>
+                  <a:tcPr marL="6350" marR="6350" marT="6350" marB="0" anchor="b"/>
+                </a:tc>
                 <a:extLst>
                   <a:ext uri="{0D108BD9-81ED-4DB2-BD59-A6C34878D82A}">
                     <a16:rowId xmlns:a16="http://schemas.microsoft.com/office/drawing/2014/main" val="3204105213"/>
@@ -5379,15 +5423,15 @@
                     <a:p>
                       <a:pPr algn="ctr" fontAlgn="b"/>
                       <a:r>
-                        <a:rPr lang="en-US" sz="2400" b="1" u="none" strike="noStrike">
+                        <a:rPr lang="en-US" sz="2400" b="1" u="none" strike="noStrike" dirty="0">
                           <a:solidFill>
                             <a:srgbClr val="000000"/>
                           </a:solidFill>
                           <a:effectLst/>
                         </a:rPr>
-                        <a:t>0.05</a:t>
+                        <a:t>0.110207</a:t>
                       </a:r>
-                      <a:endParaRPr lang="en-US" sz="2400" b="1" i="0" u="none" strike="noStrike">
+                      <a:endParaRPr lang="en-US" sz="2400" b="1" i="0" u="none" strike="noStrike" dirty="0">
                         <a:solidFill>
                           <a:srgbClr val="000000"/>
                         </a:solidFill>
@@ -5411,87 +5455,9 @@
                           </a:solidFill>
                           <a:effectLst/>
                         </a:rPr>
-                        <a:t>4</a:t>
+                        <a:t>0.109962</a:t>
                       </a:r>
                       <a:endParaRPr lang="en-US" sz="2400" b="1" i="0" u="none" strike="noStrike" dirty="0">
-                        <a:solidFill>
-                          <a:srgbClr val="000000"/>
-                        </a:solidFill>
-                        <a:effectLst/>
-                        <a:latin typeface="Aptos Narrow" panose="020B0004020202020204" pitchFamily="34" charset="0"/>
-                      </a:endParaRPr>
-                    </a:p>
-                  </a:txBody>
-                  <a:tcPr marL="6350" marR="6350" marT="6350" marB="0" anchor="b"/>
-                </a:tc>
-                <a:tc>
-                  <a:txBody>
-                    <a:bodyPr/>
-                    <a:lstStyle/>
-                    <a:p>
-                      <a:pPr algn="ctr" fontAlgn="b"/>
-                      <a:r>
-                        <a:rPr lang="en-US" sz="2400" b="1" u="none" strike="noStrike">
-                          <a:solidFill>
-                            <a:srgbClr val="000000"/>
-                          </a:solidFill>
-                          <a:effectLst/>
-                        </a:rPr>
-                        <a:t>NA</a:t>
-                      </a:r>
-                      <a:endParaRPr lang="en-US" sz="2400" b="1" i="0" u="none" strike="noStrike">
-                        <a:solidFill>
-                          <a:srgbClr val="000000"/>
-                        </a:solidFill>
-                        <a:effectLst/>
-                        <a:latin typeface="Aptos Narrow" panose="020B0004020202020204" pitchFamily="34" charset="0"/>
-                      </a:endParaRPr>
-                    </a:p>
-                  </a:txBody>
-                  <a:tcPr marL="6350" marR="6350" marT="6350" marB="0" anchor="b"/>
-                </a:tc>
-                <a:tc>
-                  <a:txBody>
-                    <a:bodyPr/>
-                    <a:lstStyle/>
-                    <a:p>
-                      <a:pPr algn="ctr" fontAlgn="b"/>
-                      <a:r>
-                        <a:rPr lang="en-US" sz="2400" b="1" u="none" strike="noStrike">
-                          <a:solidFill>
-                            <a:srgbClr val="000000"/>
-                          </a:solidFill>
-                          <a:effectLst/>
-                        </a:rPr>
-                        <a:t>0.110207</a:t>
-                      </a:r>
-                      <a:endParaRPr lang="en-US" sz="2400" b="1" i="0" u="none" strike="noStrike">
-                        <a:solidFill>
-                          <a:srgbClr val="000000"/>
-                        </a:solidFill>
-                        <a:effectLst/>
-                        <a:latin typeface="Aptos Narrow" panose="020B0004020202020204" pitchFamily="34" charset="0"/>
-                      </a:endParaRPr>
-                    </a:p>
-                  </a:txBody>
-                  <a:tcPr marL="6350" marR="6350" marT="6350" marB="0" anchor="b"/>
-                </a:tc>
-                <a:tc>
-                  <a:txBody>
-                    <a:bodyPr/>
-                    <a:lstStyle/>
-                    <a:p>
-                      <a:pPr algn="ctr" fontAlgn="b"/>
-                      <a:r>
-                        <a:rPr lang="en-US" sz="2400" b="1" u="none" strike="noStrike">
-                          <a:solidFill>
-                            <a:srgbClr val="000000"/>
-                          </a:solidFill>
-                          <a:effectLst/>
-                        </a:rPr>
-                        <a:t>0.109962</a:t>
-                      </a:r>
-                      <a:endParaRPr lang="en-US" sz="2400" b="1" i="0" u="none" strike="noStrike">
                         <a:solidFill>
                           <a:srgbClr val="000000"/>
                         </a:solidFill>
@@ -5524,6 +5490,66 @@
                         <a:effectLst/>
                         <a:latin typeface="Aptos Narrow" panose="020B0004020202020204" pitchFamily="34" charset="0"/>
                       </a:endParaRPr>
+                    </a:p>
+                  </a:txBody>
+                  <a:tcPr marL="6350" marR="6350" marT="6350" marB="0" anchor="b"/>
+                </a:tc>
+                <a:tc>
+                  <a:txBody>
+                    <a:bodyPr/>
+                    <a:lstStyle/>
+                    <a:p>
+                      <a:pPr algn="ctr" fontAlgn="b"/>
+                      <a:r>
+                        <a:rPr lang="en-US" sz="2400" b="1" i="0" u="none" strike="noStrike" dirty="0">
+                          <a:solidFill>
+                            <a:srgbClr val="000000"/>
+                          </a:solidFill>
+                          <a:effectLst/>
+                          <a:latin typeface="+mn-lt"/>
+                        </a:rPr>
+                        <a:t>0</a:t>
+                      </a:r>
+                    </a:p>
+                  </a:txBody>
+                  <a:tcPr marL="6350" marR="6350" marT="6350" marB="0" anchor="b"/>
+                </a:tc>
+                <a:tc>
+                  <a:txBody>
+                    <a:bodyPr/>
+                    <a:lstStyle/>
+                    <a:p>
+                      <a:pPr algn="ctr" fontAlgn="b"/>
+                      <a:r>
+                        <a:rPr lang="en-US" sz="2400" b="1" i="0" u="none" strike="noStrike" dirty="0">
+                          <a:solidFill>
+                            <a:srgbClr val="000000"/>
+                          </a:solidFill>
+                          <a:effectLst/>
+                          <a:latin typeface="+mn-lt"/>
+                        </a:rPr>
+                        <a:t>0</a:t>
+                      </a:r>
+                    </a:p>
+                  </a:txBody>
+                  <a:tcPr marL="6350" marR="6350" marT="6350" marB="0" anchor="b"/>
+                </a:tc>
+                <a:tc>
+                  <a:txBody>
+                    <a:bodyPr/>
+                    <a:lstStyle/>
+                    <a:p>
+                      <a:pPr algn="ctr" fontAlgn="b"/>
+                      <a:r>
+                        <a:rPr lang="en-US" sz="2400" b="1" i="0" u="none" strike="noStrike">
+                          <a:solidFill>
+                            <a:srgbClr val="000000"/>
+                          </a:solidFill>
+                          <a:effectLst/>
+                          <a:latin typeface="+mn-lt"/>
+                        </a:rPr>
+                        <a:t>0</a:t>
+                      </a:r>
                     </a:p>
                   </a:txBody>
                   <a:tcPr marL="6350" marR="6350" marT="6350" marB="0" anchor="b"/>
@@ -5568,85 +5594,7 @@
                     <a:p>
                       <a:pPr algn="ctr" fontAlgn="b"/>
                       <a:r>
-                        <a:rPr lang="en-US" sz="2400" b="1" u="none" strike="noStrike">
-                          <a:solidFill>
-                            <a:srgbClr val="000000"/>
-                          </a:solidFill>
-                          <a:effectLst/>
-                        </a:rPr>
-                        <a:t>0.05</a:t>
-                      </a:r>
-                      <a:endParaRPr lang="en-US" sz="2400" b="1" i="0" u="none" strike="noStrike">
-                        <a:solidFill>
-                          <a:srgbClr val="000000"/>
-                        </a:solidFill>
-                        <a:effectLst/>
-                        <a:latin typeface="Aptos Narrow" panose="020B0004020202020204" pitchFamily="34" charset="0"/>
-                      </a:endParaRPr>
-                    </a:p>
-                  </a:txBody>
-                  <a:tcPr marL="6350" marR="6350" marT="6350" marB="0" anchor="b"/>
-                </a:tc>
-                <a:tc>
-                  <a:txBody>
-                    <a:bodyPr/>
-                    <a:lstStyle/>
-                    <a:p>
-                      <a:pPr algn="ctr" fontAlgn="b"/>
-                      <a:r>
-                        <a:rPr lang="en-US" sz="2400" b="1" u="none" strike="noStrike">
-                          <a:solidFill>
-                            <a:srgbClr val="000000"/>
-                          </a:solidFill>
-                          <a:effectLst/>
-                        </a:rPr>
-                        <a:t>NA</a:t>
-                      </a:r>
-                      <a:endParaRPr lang="en-US" sz="2400" b="1" i="0" u="none" strike="noStrike">
-                        <a:solidFill>
-                          <a:srgbClr val="000000"/>
-                        </a:solidFill>
-                        <a:effectLst/>
-                        <a:latin typeface="Aptos Narrow" panose="020B0004020202020204" pitchFamily="34" charset="0"/>
-                      </a:endParaRPr>
-                    </a:p>
-                  </a:txBody>
-                  <a:tcPr marL="6350" marR="6350" marT="6350" marB="0" anchor="b"/>
-                </a:tc>
-                <a:tc>
-                  <a:txBody>
-                    <a:bodyPr/>
-                    <a:lstStyle/>
-                    <a:p>
-                      <a:pPr algn="ctr" fontAlgn="b"/>
-                      <a:r>
-                        <a:rPr lang="en-US" sz="2400" b="1" u="none" strike="noStrike">
-                          <a:solidFill>
-                            <a:srgbClr val="000000"/>
-                          </a:solidFill>
-                          <a:effectLst/>
-                        </a:rPr>
-                        <a:t>0.001</a:t>
-                      </a:r>
-                      <a:endParaRPr lang="en-US" sz="2400" b="1" i="0" u="none" strike="noStrike">
-                        <a:solidFill>
-                          <a:srgbClr val="000000"/>
-                        </a:solidFill>
-                        <a:effectLst/>
-                        <a:latin typeface="Aptos Narrow" panose="020B0004020202020204" pitchFamily="34" charset="0"/>
-                      </a:endParaRPr>
-                    </a:p>
-                  </a:txBody>
-                  <a:tcPr marL="6350" marR="6350" marT="6350" marB="0" anchor="b"/>
-                </a:tc>
-                <a:tc>
-                  <a:txBody>
-                    <a:bodyPr/>
-                    <a:lstStyle/>
-                    <a:p>
-                      <a:pPr algn="ctr" fontAlgn="b"/>
-                      <a:r>
-                        <a:rPr lang="en-US" sz="2400" b="1" u="none" strike="noStrike">
+                        <a:rPr lang="en-US" sz="2400" b="1" u="none" strike="noStrike" dirty="0">
                           <a:solidFill>
                             <a:srgbClr val="000000"/>
                           </a:solidFill>
@@ -5654,7 +5602,7 @@
                         </a:rPr>
                         <a:t>0.109961</a:t>
                       </a:r>
-                      <a:endParaRPr lang="en-US" sz="2400" b="1" i="0" u="none" strike="noStrike">
+                      <a:endParaRPr lang="en-US" sz="2400" b="1" i="0" u="none" strike="noStrike" dirty="0">
                         <a:solidFill>
                           <a:srgbClr val="000000"/>
                         </a:solidFill>
@@ -5717,6 +5665,66 @@
                   </a:txBody>
                   <a:tcPr marL="6350" marR="6350" marT="6350" marB="0" anchor="b"/>
                 </a:tc>
+                <a:tc>
+                  <a:txBody>
+                    <a:bodyPr/>
+                    <a:lstStyle/>
+                    <a:p>
+                      <a:pPr algn="ctr" fontAlgn="b"/>
+                      <a:r>
+                        <a:rPr lang="en-US" sz="2400" b="1" i="0" u="none" strike="noStrike" dirty="0">
+                          <a:solidFill>
+                            <a:srgbClr val="000000"/>
+                          </a:solidFill>
+                          <a:effectLst/>
+                          <a:latin typeface="+mn-lt"/>
+                        </a:rPr>
+                        <a:t>NA</a:t>
+                      </a:r>
+                    </a:p>
+                  </a:txBody>
+                  <a:tcPr marL="6350" marR="6350" marT="6350" marB="0" anchor="b"/>
+                </a:tc>
+                <a:tc>
+                  <a:txBody>
+                    <a:bodyPr/>
+                    <a:lstStyle/>
+                    <a:p>
+                      <a:pPr algn="ctr" fontAlgn="b"/>
+                      <a:r>
+                        <a:rPr lang="en-US" sz="2400" b="1" i="0" u="none" strike="noStrike" dirty="0">
+                          <a:solidFill>
+                            <a:srgbClr val="000000"/>
+                          </a:solidFill>
+                          <a:effectLst/>
+                          <a:latin typeface="+mn-lt"/>
+                        </a:rPr>
+                        <a:t>0</a:t>
+                      </a:r>
+                    </a:p>
+                  </a:txBody>
+                  <a:tcPr marL="6350" marR="6350" marT="6350" marB="0" anchor="b"/>
+                </a:tc>
+                <a:tc>
+                  <a:txBody>
+                    <a:bodyPr/>
+                    <a:lstStyle/>
+                    <a:p>
+                      <a:pPr algn="ctr" fontAlgn="b"/>
+                      <a:r>
+                        <a:rPr lang="en-US" sz="2400" b="1" i="0" u="none" strike="noStrike" dirty="0">
+                          <a:solidFill>
+                            <a:srgbClr val="000000"/>
+                          </a:solidFill>
+                          <a:effectLst/>
+                          <a:latin typeface="+mn-lt"/>
+                        </a:rPr>
+                        <a:t>0</a:t>
+                      </a:r>
+                    </a:p>
+                  </a:txBody>
+                  <a:tcPr marL="6350" marR="6350" marT="6350" marB="0" anchor="b"/>
+                </a:tc>
                 <a:extLst>
                   <a:ext uri="{0D108BD9-81ED-4DB2-BD59-A6C34878D82A}">
                     <a16:rowId xmlns:a16="http://schemas.microsoft.com/office/drawing/2014/main" val="2587442393"/>
@@ -5727,6 +5735,78 @@
           </a:graphicData>
         </a:graphic>
       </p:graphicFrame>
+      <p:pic>
+        <p:nvPicPr>
+          <p:cNvPr id="20" name="Picture 19" descr="A close up of text&#10;&#10;AI-generated content may be incorrect.">
+            <a:extLst>
+              <a:ext uri="{FF2B5EF4-FFF2-40B4-BE49-F238E27FC236}">
+                <a16:creationId xmlns:a16="http://schemas.microsoft.com/office/drawing/2014/main" id="{86874D66-3503-B31F-63FD-B9D5C0481C36}"/>
+              </a:ext>
+            </a:extLst>
+          </p:cNvPr>
+          <p:cNvPicPr>
+            <a:picLocks noChangeAspect="1"/>
+          </p:cNvPicPr>
+          <p:nvPr/>
+        </p:nvPicPr>
+        <p:blipFill>
+          <a:blip r:embed="rId14">
+            <a:extLst>
+              <a:ext uri="{28A0092B-C50C-407E-A947-70E740481C1C}">
+                <a14:useLocalDpi xmlns:a14="http://schemas.microsoft.com/office/drawing/2010/main" val="0"/>
+              </a:ext>
+            </a:extLst>
+          </a:blip>
+          <a:stretch>
+            <a:fillRect/>
+          </a:stretch>
+        </p:blipFill>
+        <p:spPr>
+          <a:xfrm>
+            <a:off x="475970" y="7355341"/>
+            <a:ext cx="9132244" cy="3252020"/>
+          </a:xfrm>
+          <a:prstGeom prst="rect">
+            <a:avLst/>
+          </a:prstGeom>
+        </p:spPr>
+      </p:pic>
+      <p:pic>
+        <p:nvPicPr>
+          <p:cNvPr id="22" name="Picture 21" descr="A black text on a white background&#10;&#10;AI-generated content may be incorrect.">
+            <a:extLst>
+              <a:ext uri="{FF2B5EF4-FFF2-40B4-BE49-F238E27FC236}">
+                <a16:creationId xmlns:a16="http://schemas.microsoft.com/office/drawing/2014/main" id="{7E6EE55B-8999-B348-51A0-BD083D7F679D}"/>
+              </a:ext>
+            </a:extLst>
+          </p:cNvPr>
+          <p:cNvPicPr>
+            <a:picLocks noChangeAspect="1"/>
+          </p:cNvPicPr>
+          <p:nvPr/>
+        </p:nvPicPr>
+        <p:blipFill>
+          <a:blip r:embed="rId15">
+            <a:extLst>
+              <a:ext uri="{28A0092B-C50C-407E-A947-70E740481C1C}">
+                <a14:useLocalDpi xmlns:a14="http://schemas.microsoft.com/office/drawing/2010/main" val="0"/>
+              </a:ext>
+            </a:extLst>
+          </a:blip>
+          <a:stretch>
+            <a:fillRect/>
+          </a:stretch>
+        </p:blipFill>
+        <p:spPr>
+          <a:xfrm>
+            <a:off x="222614" y="30703737"/>
+            <a:ext cx="9070994" cy="2093306"/>
+          </a:xfrm>
+          <a:prstGeom prst="rect">
+            <a:avLst/>
+          </a:prstGeom>
+        </p:spPr>
+      </p:pic>
     </p:spTree>
     <p:extLst>
       <p:ext uri="{BB962C8B-B14F-4D97-AF65-F5344CB8AC3E}">
